--- a/Deliverables/INF112_presentasjon (1).pptx
+++ b/Deliverables/INF112_presentasjon (1).pptx
@@ -520,14 +520,48 @@
           <a:p>
             <a:r>
               <a:rPr lang="nb-NO" dirty="0"/>
-              <a:t>Brede, Sandra and Faltin bachelor in bioinformatics</a:t>
-            </a:r>
-          </a:p>
-          <a:p>
+              <a:t>Brede, Sandra and </a:t>
+            </a:r>
+            <a:r>
+              <a:rPr lang="nb-NO" dirty="0" err="1"/>
+              <a:t>Faltin</a:t>
+            </a:r>
             <a:r>
               <a:rPr lang="nb-NO" dirty="0"/>
-              <a:t>Magnus: bachelor in IKT</a:t>
-            </a:r>
+              <a:t> bachelor in </a:t>
+            </a:r>
+            <a:r>
+              <a:rPr lang="nb-NO" dirty="0" err="1"/>
+              <a:t>bioinformatics</a:t>
+            </a:r>
+            <a:endParaRPr lang="nb-NO" dirty="0"/>
+          </a:p>
+          <a:p>
+            <a:r>
+              <a:rPr lang="nb-NO" dirty="0"/>
+              <a:t>Magnus: bachelor in </a:t>
+            </a:r>
+            <a:r>
+              <a:rPr lang="nb-NO" dirty="0" smtClean="0"/>
+              <a:t>Information</a:t>
+            </a:r>
+            <a:r>
+              <a:rPr lang="nb-NO" baseline="0" dirty="0" smtClean="0"/>
+              <a:t> and </a:t>
+            </a:r>
+            <a:r>
+              <a:rPr lang="nb-NO" baseline="0" dirty="0" err="1" smtClean="0"/>
+              <a:t>communication</a:t>
+            </a:r>
+            <a:r>
+              <a:rPr lang="nb-NO" baseline="0" dirty="0" smtClean="0"/>
+              <a:t> </a:t>
+            </a:r>
+            <a:r>
+              <a:rPr lang="nb-NO" baseline="0" dirty="0" err="1" smtClean="0"/>
+              <a:t>technology</a:t>
+            </a:r>
+            <a:endParaRPr lang="nb-NO" dirty="0"/>
           </a:p>
           <a:p>
             <a:r>
@@ -535,7 +569,7 @@
               <a:t>Ingrid: bachelor in computer </a:t>
             </a:r>
             <a:r>
-              <a:rPr lang="nb-NO" dirty="0" err="1"/>
+              <a:rPr lang="nb-NO" dirty="0" err="1" smtClean="0"/>
               <a:t>technology</a:t>
             </a:r>
             <a:endParaRPr lang="nb-NO" dirty="0"/>
@@ -627,28 +661,8 @@
               <a:buNone/>
             </a:pPr>
             <a:r>
-              <a:rPr lang="nb-NO" dirty="0" err="1"/>
-              <a:t>choose</a:t>
-            </a:r>
-            <a:r>
-              <a:rPr lang="nb-NO" dirty="0"/>
-              <a:t> a hybrid </a:t>
-            </a:r>
-            <a:r>
-              <a:rPr lang="nb-NO" dirty="0" err="1"/>
-              <a:t>between</a:t>
-            </a:r>
-            <a:r>
-              <a:rPr lang="nb-NO" dirty="0"/>
-              <a:t> </a:t>
-            </a:r>
-            <a:r>
-              <a:rPr lang="nb-NO" dirty="0" err="1"/>
-              <a:t>Kanban</a:t>
-            </a:r>
-            <a:r>
-              <a:rPr lang="nb-NO" dirty="0"/>
-              <a:t> and SCRUM</a:t>
+              <a:rPr lang="en-GB" dirty="0" smtClean="0"/>
+              <a:t>choose a hybrid between Kanban and SCRUM</a:t>
             </a:r>
           </a:p>
           <a:p>
@@ -657,94 +671,9 @@
               <a:buChar char="•"/>
             </a:pPr>
             <a:r>
-              <a:rPr lang="nb-NO" dirty="0"/>
-              <a:t>Key </a:t>
-            </a:r>
-            <a:r>
-              <a:rPr lang="nb-NO" dirty="0" err="1"/>
-              <a:t>point</a:t>
-            </a:r>
-            <a:r>
-              <a:rPr lang="nb-NO" dirty="0"/>
-              <a:t> to </a:t>
-            </a:r>
-            <a:r>
-              <a:rPr lang="nb-NO" dirty="0" err="1"/>
-              <a:t>keep</a:t>
-            </a:r>
-            <a:r>
-              <a:rPr lang="nb-NO" dirty="0"/>
-              <a:t> </a:t>
-            </a:r>
-            <a:r>
-              <a:rPr lang="nb-NO" dirty="0" err="1"/>
-              <a:t>things</a:t>
-            </a:r>
-            <a:r>
-              <a:rPr lang="nb-NO" dirty="0"/>
-              <a:t> as simpel as </a:t>
-            </a:r>
-            <a:r>
-              <a:rPr lang="nb-NO" dirty="0" err="1"/>
-              <a:t>possible</a:t>
-            </a:r>
-            <a:r>
-              <a:rPr lang="nb-NO" dirty="0"/>
-              <a:t>, </a:t>
-            </a:r>
-            <a:r>
-              <a:rPr lang="nb-NO" dirty="0" err="1"/>
-              <a:t>yet</a:t>
-            </a:r>
-            <a:r>
-              <a:rPr lang="nb-NO" dirty="0"/>
-              <a:t> rigid/</a:t>
-            </a:r>
-            <a:r>
-              <a:rPr lang="nb-NO" dirty="0" err="1"/>
-              <a:t>organized</a:t>
-            </a:r>
-            <a:r>
-              <a:rPr lang="nb-NO" dirty="0"/>
-              <a:t> </a:t>
-            </a:r>
-            <a:r>
-              <a:rPr lang="nb-NO" dirty="0" err="1"/>
-              <a:t>enough</a:t>
-            </a:r>
-            <a:r>
-              <a:rPr lang="nb-NO" dirty="0"/>
-              <a:t> to make sure </a:t>
-            </a:r>
-            <a:r>
-              <a:rPr lang="nb-NO" dirty="0" err="1"/>
-              <a:t>we</a:t>
-            </a:r>
-            <a:r>
-              <a:rPr lang="nb-NO" dirty="0"/>
-              <a:t> have a steady </a:t>
-            </a:r>
-            <a:r>
-              <a:rPr lang="nb-NO" dirty="0" err="1"/>
-              <a:t>way</a:t>
-            </a:r>
-            <a:r>
-              <a:rPr lang="nb-NO" dirty="0"/>
-              <a:t> </a:t>
-            </a:r>
-            <a:r>
-              <a:rPr lang="nb-NO" dirty="0" err="1"/>
-              <a:t>of</a:t>
-            </a:r>
-            <a:r>
-              <a:rPr lang="nb-NO" dirty="0"/>
-              <a:t> </a:t>
-            </a:r>
-            <a:r>
-              <a:rPr lang="nb-NO" dirty="0" err="1"/>
-              <a:t>working</a:t>
-            </a:r>
-            <a:endParaRPr lang="nb-NO" dirty="0"/>
+              <a:rPr lang="en-GB" dirty="0" smtClean="0"/>
+              <a:t>Key point to keep things as simple as possible, yet rigid/organized enough to make sure we have a steady way of working</a:t>
+            </a:r>
           </a:p>
           <a:p>
             <a:pPr marL="171450" indent="-171450">
@@ -752,22 +681,9 @@
               <a:buChar char="•"/>
             </a:pPr>
             <a:r>
-              <a:rPr lang="nb-NO" dirty="0"/>
-              <a:t>One </a:t>
-            </a:r>
-            <a:r>
-              <a:rPr lang="nb-NO" dirty="0" err="1"/>
-              <a:t>task</a:t>
-            </a:r>
-            <a:r>
-              <a:rPr lang="nb-NO" dirty="0"/>
-              <a:t> </a:t>
-            </a:r>
-            <a:r>
-              <a:rPr lang="nb-NO" dirty="0" err="1"/>
-              <a:t>each</a:t>
-            </a:r>
-            <a:endParaRPr lang="nb-NO" dirty="0"/>
+              <a:rPr lang="en-GB" dirty="0" smtClean="0"/>
+              <a:t>One task each</a:t>
+            </a:r>
           </a:p>
           <a:p>
             <a:pPr marL="171450" indent="-171450">
@@ -775,26 +691,9 @@
               <a:buChar char="•"/>
             </a:pPr>
             <a:r>
-              <a:rPr lang="nb-NO" dirty="0" err="1"/>
-              <a:t>Writing</a:t>
-            </a:r>
-            <a:r>
-              <a:rPr lang="nb-NO" dirty="0"/>
-              <a:t> test </a:t>
-            </a:r>
-            <a:r>
-              <a:rPr lang="nb-NO" dirty="0" err="1"/>
-              <a:t>while</a:t>
-            </a:r>
-            <a:r>
-              <a:rPr lang="nb-NO" dirty="0"/>
-              <a:t> </a:t>
-            </a:r>
-            <a:r>
-              <a:rPr lang="nb-NO" dirty="0" err="1"/>
-              <a:t>programming</a:t>
-            </a:r>
-            <a:endParaRPr lang="nb-NO" dirty="0"/>
+              <a:rPr lang="en-GB" dirty="0" smtClean="0"/>
+              <a:t>Writing test while programming</a:t>
+            </a:r>
           </a:p>
           <a:p>
             <a:pPr marL="171450" indent="-171450">
@@ -802,60 +701,8 @@
               <a:buChar char="•"/>
             </a:pPr>
             <a:r>
-              <a:rPr lang="nb-NO" dirty="0" err="1"/>
-              <a:t>Running</a:t>
-            </a:r>
-            <a:r>
-              <a:rPr lang="nb-NO" dirty="0"/>
-              <a:t> tests </a:t>
-            </a:r>
-            <a:r>
-              <a:rPr lang="nb-NO" dirty="0" err="1"/>
-              <a:t>often</a:t>
-            </a:r>
-            <a:r>
-              <a:rPr lang="nb-NO" dirty="0"/>
-              <a:t> ( at </a:t>
-            </a:r>
-            <a:r>
-              <a:rPr lang="nb-NO" dirty="0" err="1"/>
-              <a:t>least</a:t>
-            </a:r>
-            <a:r>
-              <a:rPr lang="nb-NO" dirty="0"/>
-              <a:t> </a:t>
-            </a:r>
-            <a:r>
-              <a:rPr lang="nb-NO" dirty="0" err="1"/>
-              <a:t>every</a:t>
-            </a:r>
-            <a:r>
-              <a:rPr lang="nb-NO" dirty="0"/>
-              <a:t> time </a:t>
-            </a:r>
-            <a:r>
-              <a:rPr lang="nb-NO" dirty="0" err="1"/>
-              <a:t>we</a:t>
-            </a:r>
-            <a:r>
-              <a:rPr lang="nb-NO" dirty="0"/>
-              <a:t> make a </a:t>
-            </a:r>
-            <a:r>
-              <a:rPr lang="nb-NO" dirty="0" err="1"/>
-              <a:t>new</a:t>
-            </a:r>
-            <a:r>
-              <a:rPr lang="nb-NO" dirty="0"/>
-              <a:t> </a:t>
-            </a:r>
-            <a:r>
-              <a:rPr lang="nb-NO" dirty="0" err="1"/>
-              <a:t>functionality</a:t>
-            </a:r>
-            <a:r>
-              <a:rPr lang="nb-NO" dirty="0"/>
-              <a:t>)</a:t>
+              <a:rPr lang="en-GB" dirty="0" smtClean="0"/>
+              <a:t>Running tests often ( at least every time we make a new functionality)</a:t>
             </a:r>
           </a:p>
           <a:p>
@@ -864,69 +711,16 @@
               <a:buChar char="•"/>
             </a:pPr>
             <a:r>
-              <a:rPr lang="nb-NO" dirty="0"/>
-              <a:t>Sprint/</a:t>
-            </a:r>
-            <a:r>
-              <a:rPr lang="nb-NO" dirty="0" err="1"/>
-              <a:t>iteration</a:t>
-            </a:r>
-            <a:r>
-              <a:rPr lang="nb-NO" dirty="0"/>
-              <a:t> </a:t>
-            </a:r>
-            <a:r>
-              <a:rPr lang="nb-NO" dirty="0" err="1"/>
-              <a:t>each</a:t>
-            </a:r>
-            <a:r>
-              <a:rPr lang="nb-NO" dirty="0"/>
-              <a:t> </a:t>
-            </a:r>
-            <a:r>
-              <a:rPr lang="nb-NO" dirty="0" err="1"/>
-              <a:t>week</a:t>
-            </a:r>
-            <a:r>
-              <a:rPr lang="nb-NO" dirty="0"/>
-              <a:t>, </a:t>
-            </a:r>
-            <a:r>
-              <a:rPr lang="nb-NO" dirty="0" err="1"/>
-              <a:t>retrospective</a:t>
-            </a:r>
-            <a:r>
-              <a:rPr lang="nb-NO" dirty="0"/>
-              <a:t> and planning </a:t>
-            </a:r>
-            <a:r>
-              <a:rPr lang="nb-NO" dirty="0" err="1"/>
-              <a:t>on</a:t>
-            </a:r>
-            <a:r>
-              <a:rPr lang="nb-NO" dirty="0"/>
-              <a:t> </a:t>
-            </a:r>
-            <a:r>
-              <a:rPr lang="nb-NO" dirty="0" err="1"/>
-              <a:t>each</a:t>
-            </a:r>
-            <a:r>
-              <a:rPr lang="nb-NO" dirty="0"/>
-              <a:t> </a:t>
-            </a:r>
-            <a:r>
-              <a:rPr lang="nb-NO" dirty="0" err="1"/>
-              <a:t>meeting</a:t>
-            </a:r>
-            <a:endParaRPr lang="nb-NO" dirty="0"/>
+              <a:rPr lang="en-GB" dirty="0" smtClean="0"/>
+              <a:t>Sprint/iteration each week, retrospective and planning on each meeting</a:t>
+            </a:r>
           </a:p>
           <a:p>
             <a:pPr marL="0" indent="0">
               <a:buFont typeface="Arial" panose="020B0604020202020204" pitchFamily="34" charset="0"/>
               <a:buNone/>
             </a:pPr>
-            <a:endParaRPr lang="nb-NO" dirty="0"/>
+            <a:endParaRPr lang="en-GB" dirty="0" smtClean="0"/>
           </a:p>
           <a:p>
             <a:pPr marL="0" indent="0">
@@ -934,10 +728,9 @@
               <a:buNone/>
             </a:pPr>
             <a:r>
-              <a:rPr lang="nb-NO" dirty="0" err="1"/>
+              <a:rPr lang="en-GB" dirty="0" smtClean="0"/>
               <a:t>Slack</a:t>
             </a:r>
-            <a:endParaRPr lang="nb-NO" dirty="0"/>
           </a:p>
           <a:p>
             <a:pPr marL="171450" indent="-171450">
@@ -945,20 +738,16 @@
               <a:buChar char="•"/>
             </a:pPr>
             <a:r>
-              <a:rPr lang="nb-NO" dirty="0" err="1"/>
-              <a:t>Communication</a:t>
-            </a:r>
-            <a:r>
-              <a:rPr lang="nb-NO" dirty="0"/>
-              <a:t>, </a:t>
-            </a:r>
-            <a:r>
-              <a:rPr lang="nb-NO" dirty="0" err="1"/>
-              <a:t>asking</a:t>
-            </a:r>
-            <a:r>
-              <a:rPr lang="nb-NO" dirty="0"/>
-              <a:t> questions, planning, trouble</a:t>
+              <a:rPr lang="en-GB" dirty="0" smtClean="0"/>
+              <a:t>Communication, asking </a:t>
+            </a:r>
+            <a:r>
+              <a:rPr lang="en-GB" noProof="0" dirty="0" smtClean="0"/>
+              <a:t>questions</a:t>
+            </a:r>
+            <a:r>
+              <a:rPr lang="en-GB" dirty="0" smtClean="0"/>
+              <a:t>, planning, trouble</a:t>
             </a:r>
           </a:p>
           <a:p>
@@ -966,7 +755,7 @@
               <a:buFont typeface="Arial" panose="020B0604020202020204" pitchFamily="34" charset="0"/>
               <a:buNone/>
             </a:pPr>
-            <a:endParaRPr lang="nb-NO" dirty="0"/>
+            <a:endParaRPr lang="en-GB" dirty="0" smtClean="0"/>
           </a:p>
           <a:p>
             <a:pPr marL="0" indent="0">
@@ -974,10 +763,9 @@
               <a:buNone/>
             </a:pPr>
             <a:r>
-              <a:rPr lang="nb-NO" dirty="0" err="1"/>
+              <a:rPr lang="en-GB" dirty="0" smtClean="0"/>
               <a:t>Trello</a:t>
             </a:r>
-            <a:endParaRPr lang="nb-NO" dirty="0"/>
           </a:p>
           <a:p>
             <a:pPr marL="171450" indent="-171450">
@@ -985,84 +773,12 @@
               <a:buChar char="•"/>
             </a:pPr>
             <a:r>
-              <a:rPr lang="nb-NO" dirty="0" err="1"/>
+              <a:rPr lang="en-GB" dirty="0" err="1" smtClean="0"/>
               <a:t>Todo</a:t>
             </a:r>
             <a:r>
-              <a:rPr lang="nb-NO" dirty="0"/>
-              <a:t> list, </a:t>
-            </a:r>
-            <a:r>
-              <a:rPr lang="nb-NO" dirty="0" err="1"/>
-              <a:t>organisation</a:t>
-            </a:r>
-            <a:r>
-              <a:rPr lang="nb-NO" dirty="0"/>
-              <a:t> </a:t>
-            </a:r>
-            <a:r>
-              <a:rPr lang="nb-NO" dirty="0" err="1"/>
-              <a:t>of</a:t>
-            </a:r>
-            <a:r>
-              <a:rPr lang="nb-NO" dirty="0"/>
-              <a:t> </a:t>
-            </a:r>
-            <a:r>
-              <a:rPr lang="nb-NO" dirty="0" err="1"/>
-              <a:t>tasks</a:t>
-            </a:r>
-            <a:r>
-              <a:rPr lang="nb-NO" dirty="0"/>
-              <a:t>, </a:t>
-            </a:r>
-            <a:r>
-              <a:rPr lang="nb-NO" dirty="0" err="1"/>
-              <a:t>making</a:t>
-            </a:r>
-            <a:r>
-              <a:rPr lang="nb-NO" dirty="0"/>
-              <a:t> sure </a:t>
-            </a:r>
-            <a:r>
-              <a:rPr lang="nb-NO" dirty="0" err="1"/>
-              <a:t>everyone</a:t>
-            </a:r>
-            <a:r>
-              <a:rPr lang="nb-NO" dirty="0"/>
-              <a:t> has </a:t>
-            </a:r>
-            <a:r>
-              <a:rPr lang="nb-NO" dirty="0" err="1"/>
-              <a:t>tasks</a:t>
-            </a:r>
-            <a:r>
-              <a:rPr lang="nb-NO" dirty="0"/>
-              <a:t>, not stepping </a:t>
-            </a:r>
-            <a:r>
-              <a:rPr lang="nb-NO" dirty="0" err="1"/>
-              <a:t>on</a:t>
-            </a:r>
-            <a:r>
-              <a:rPr lang="nb-NO" dirty="0"/>
-              <a:t> </a:t>
-            </a:r>
-            <a:r>
-              <a:rPr lang="nb-NO" dirty="0" err="1"/>
-              <a:t>each</a:t>
-            </a:r>
-            <a:r>
-              <a:rPr lang="nb-NO" dirty="0"/>
-              <a:t> </a:t>
-            </a:r>
-            <a:r>
-              <a:rPr lang="nb-NO" dirty="0" err="1"/>
-              <a:t>others</a:t>
-            </a:r>
-            <a:r>
-              <a:rPr lang="nb-NO" dirty="0"/>
-              <a:t> toes</a:t>
+              <a:rPr lang="en-GB" dirty="0" smtClean="0"/>
+              <a:t> list, organisation of tasks, making sure everyone has tasks, not stepping on each others toes</a:t>
             </a:r>
           </a:p>
           <a:p>
@@ -1070,7 +786,7 @@
               <a:buFont typeface="Arial" panose="020B0604020202020204" pitchFamily="34" charset="0"/>
               <a:buNone/>
             </a:pPr>
-            <a:endParaRPr lang="nb-NO" dirty="0"/>
+            <a:endParaRPr lang="en-GB" dirty="0" smtClean="0"/>
           </a:p>
           <a:p>
             <a:pPr marL="0" indent="0">
@@ -1078,14 +794,9 @@
               <a:buNone/>
             </a:pPr>
             <a:r>
-              <a:rPr lang="nb-NO" dirty="0"/>
-              <a:t>Google </a:t>
-            </a:r>
-            <a:r>
-              <a:rPr lang="nb-NO" dirty="0" err="1"/>
-              <a:t>docs</a:t>
-            </a:r>
-            <a:endParaRPr lang="nb-NO" dirty="0"/>
+              <a:rPr lang="en-GB" dirty="0" smtClean="0"/>
+              <a:t>Google docs</a:t>
+            </a:r>
           </a:p>
           <a:p>
             <a:pPr marL="171450" indent="-171450">
@@ -1093,73 +804,16 @@
               <a:buChar char="•"/>
             </a:pPr>
             <a:r>
-              <a:rPr lang="nb-NO" dirty="0" err="1"/>
-              <a:t>Summary</a:t>
-            </a:r>
-            <a:r>
-              <a:rPr lang="nb-NO" dirty="0"/>
-              <a:t> </a:t>
-            </a:r>
-            <a:r>
-              <a:rPr lang="nb-NO" dirty="0" err="1"/>
-              <a:t>of</a:t>
-            </a:r>
-            <a:r>
-              <a:rPr lang="nb-NO" dirty="0"/>
-              <a:t> </a:t>
-            </a:r>
-            <a:r>
-              <a:rPr lang="nb-NO" dirty="0" err="1"/>
-              <a:t>meetings</a:t>
-            </a:r>
-            <a:r>
-              <a:rPr lang="nb-NO" dirty="0"/>
-              <a:t>, </a:t>
-            </a:r>
-            <a:r>
-              <a:rPr lang="nb-NO" dirty="0" err="1"/>
-              <a:t>group</a:t>
-            </a:r>
-            <a:r>
-              <a:rPr lang="nb-NO" dirty="0"/>
-              <a:t> </a:t>
-            </a:r>
-            <a:r>
-              <a:rPr lang="nb-NO" dirty="0" err="1"/>
-              <a:t>organisation</a:t>
-            </a:r>
-            <a:r>
-              <a:rPr lang="nb-NO" dirty="0"/>
-              <a:t>, </a:t>
-            </a:r>
-            <a:r>
-              <a:rPr lang="nb-NO" dirty="0" err="1"/>
-              <a:t>sharing</a:t>
-            </a:r>
-            <a:r>
-              <a:rPr lang="nb-NO" dirty="0"/>
-              <a:t> </a:t>
-            </a:r>
-            <a:r>
-              <a:rPr lang="nb-NO" dirty="0" err="1"/>
-              <a:t>of</a:t>
-            </a:r>
-            <a:r>
-              <a:rPr lang="nb-NO" dirty="0"/>
-              <a:t> </a:t>
-            </a:r>
-            <a:r>
-              <a:rPr lang="nb-NO" dirty="0" err="1"/>
-              <a:t>text</a:t>
-            </a:r>
-            <a:endParaRPr lang="nb-NO" dirty="0"/>
+              <a:rPr lang="en-GB" dirty="0" smtClean="0"/>
+              <a:t>Summary of meetings, group organisation, sharing of text</a:t>
+            </a:r>
           </a:p>
           <a:p>
             <a:pPr marL="0" indent="0">
               <a:buFont typeface="Arial" panose="020B0604020202020204" pitchFamily="34" charset="0"/>
               <a:buNone/>
             </a:pPr>
-            <a:endParaRPr lang="nb-NO" dirty="0"/>
+            <a:endParaRPr lang="en-GB" dirty="0" smtClean="0"/>
           </a:p>
           <a:p>
             <a:pPr marL="0" indent="0">
@@ -1167,17 +821,17 @@
               <a:buNone/>
             </a:pPr>
             <a:r>
-              <a:rPr lang="nb-NO" dirty="0" err="1"/>
+              <a:rPr lang="en-GB" dirty="0" err="1" smtClean="0"/>
               <a:t>Github</a:t>
             </a:r>
-            <a:endParaRPr lang="nb-NO" dirty="0"/>
+            <a:endParaRPr lang="en-GB" dirty="0" smtClean="0"/>
           </a:p>
           <a:p>
             <a:pPr marL="0" indent="0">
               <a:buFont typeface="Arial" panose="020B0604020202020204" pitchFamily="34" charset="0"/>
               <a:buNone/>
             </a:pPr>
-            <a:endParaRPr lang="nb-NO" dirty="0"/>
+            <a:endParaRPr lang="en-GB" dirty="0" smtClean="0"/>
           </a:p>
           <a:p>
             <a:pPr marL="0" indent="0">
@@ -1185,10 +839,9 @@
               <a:buNone/>
             </a:pPr>
             <a:r>
-              <a:rPr lang="nb-NO" dirty="0" err="1"/>
+              <a:rPr lang="en-GB" dirty="0" smtClean="0"/>
               <a:t>Issues</a:t>
             </a:r>
-            <a:endParaRPr lang="nb-NO" dirty="0"/>
           </a:p>
           <a:p>
             <a:pPr marL="171450" indent="-171450">
@@ -1196,55 +849,15 @@
               <a:buChar char="•"/>
             </a:pPr>
             <a:r>
-              <a:rPr lang="nb-NO" dirty="0"/>
-              <a:t>Trouble </a:t>
-            </a:r>
-            <a:r>
-              <a:rPr lang="nb-NO" dirty="0" err="1"/>
-              <a:t>making</a:t>
-            </a:r>
-            <a:r>
-              <a:rPr lang="nb-NO" dirty="0"/>
-              <a:t> </a:t>
-            </a:r>
-            <a:r>
-              <a:rPr lang="nb-NO" dirty="0" err="1"/>
-              <a:t>tasks</a:t>
-            </a:r>
-            <a:r>
-              <a:rPr lang="nb-NO" dirty="0"/>
-              <a:t> </a:t>
-            </a:r>
-            <a:r>
-              <a:rPr lang="nb-NO" dirty="0" err="1"/>
-              <a:t>small</a:t>
-            </a:r>
-            <a:r>
-              <a:rPr lang="nb-NO" dirty="0"/>
-              <a:t> </a:t>
-            </a:r>
-            <a:r>
-              <a:rPr lang="nb-NO" dirty="0" err="1"/>
-              <a:t>enough</a:t>
-            </a:r>
-            <a:r>
-              <a:rPr lang="nb-NO" dirty="0"/>
-              <a:t> in </a:t>
-            </a:r>
-            <a:r>
-              <a:rPr lang="nb-NO" dirty="0" err="1"/>
-              <a:t>the</a:t>
-            </a:r>
-            <a:r>
-              <a:rPr lang="nb-NO" dirty="0"/>
-              <a:t> </a:t>
-            </a:r>
-            <a:r>
-              <a:rPr lang="nb-NO" dirty="0" err="1"/>
+              <a:rPr lang="en-GB" dirty="0" smtClean="0"/>
+              <a:t>Trouble making tasks small enough in the </a:t>
+            </a:r>
+            <a:r>
+              <a:rPr lang="en-GB" dirty="0" err="1" smtClean="0"/>
               <a:t>todo</a:t>
             </a:r>
             <a:r>
-              <a:rPr lang="nb-NO" dirty="0"/>
+              <a:rPr lang="en-GB" dirty="0" smtClean="0"/>
               <a:t> list,</a:t>
             </a:r>
           </a:p>
@@ -1254,86 +867,9 @@
               <a:buChar char="•"/>
             </a:pPr>
             <a:r>
-              <a:rPr lang="nb-NO" dirty="0"/>
-              <a:t>Time to cover </a:t>
-            </a:r>
-            <a:r>
-              <a:rPr lang="nb-NO" dirty="0" err="1"/>
-              <a:t>everything</a:t>
-            </a:r>
-            <a:r>
-              <a:rPr lang="nb-NO" dirty="0"/>
-              <a:t> </a:t>
-            </a:r>
-            <a:r>
-              <a:rPr lang="nb-NO" dirty="0" err="1"/>
-              <a:t>on</a:t>
-            </a:r>
-            <a:r>
-              <a:rPr lang="nb-NO" dirty="0"/>
-              <a:t> </a:t>
-            </a:r>
-            <a:r>
-              <a:rPr lang="nb-NO" dirty="0" err="1"/>
-              <a:t>meetings</a:t>
-            </a:r>
-            <a:r>
-              <a:rPr lang="nb-NO" dirty="0"/>
-              <a:t>, The </a:t>
-            </a:r>
-            <a:r>
-              <a:rPr lang="nb-NO" dirty="0" err="1"/>
-              <a:t>amount</a:t>
-            </a:r>
-            <a:r>
-              <a:rPr lang="nb-NO" dirty="0"/>
-              <a:t> </a:t>
-            </a:r>
-            <a:r>
-              <a:rPr lang="nb-NO" dirty="0" err="1"/>
-              <a:t>of</a:t>
-            </a:r>
-            <a:r>
-              <a:rPr lang="nb-NO" dirty="0"/>
-              <a:t> time to </a:t>
-            </a:r>
-            <a:r>
-              <a:rPr lang="nb-NO" dirty="0" err="1"/>
-              <a:t>get</a:t>
-            </a:r>
-            <a:r>
-              <a:rPr lang="nb-NO" dirty="0"/>
-              <a:t> </a:t>
-            </a:r>
-            <a:r>
-              <a:rPr lang="nb-NO" dirty="0" err="1"/>
-              <a:t>trough</a:t>
-            </a:r>
-            <a:r>
-              <a:rPr lang="nb-NO" dirty="0"/>
-              <a:t> </a:t>
-            </a:r>
-            <a:r>
-              <a:rPr lang="nb-NO" dirty="0" err="1"/>
-              <a:t>the</a:t>
-            </a:r>
-            <a:r>
-              <a:rPr lang="nb-NO" dirty="0"/>
-              <a:t> agenda, </a:t>
-            </a:r>
-            <a:r>
-              <a:rPr lang="nb-NO" dirty="0" err="1"/>
-              <a:t>valuable</a:t>
-            </a:r>
-            <a:r>
-              <a:rPr lang="nb-NO" dirty="0"/>
-              <a:t> </a:t>
-            </a:r>
-            <a:r>
-              <a:rPr lang="nb-NO" dirty="0" err="1"/>
-              <a:t>lesson</a:t>
-            </a:r>
-            <a:endParaRPr lang="nb-NO" dirty="0"/>
+              <a:rPr lang="en-GB" dirty="0" smtClean="0"/>
+              <a:t>Time to cover everything on meetings, The amount of time to get trough the agenda, valuable lesson</a:t>
+            </a:r>
           </a:p>
           <a:p>
             <a:pPr marL="171450" indent="-171450">
@@ -1341,86 +877,25 @@
               <a:buChar char="•"/>
             </a:pPr>
             <a:r>
-              <a:rPr lang="nb-NO" dirty="0"/>
-              <a:t>Trouble </a:t>
-            </a:r>
-            <a:r>
-              <a:rPr lang="nb-NO" dirty="0" err="1"/>
-              <a:t>with</a:t>
-            </a:r>
-            <a:r>
-              <a:rPr lang="nb-NO" dirty="0"/>
-              <a:t> </a:t>
-            </a:r>
-            <a:r>
-              <a:rPr lang="nb-NO" dirty="0" err="1"/>
+              <a:rPr lang="en-GB" dirty="0" smtClean="0"/>
+              <a:t>Trouble with </a:t>
+            </a:r>
+            <a:r>
+              <a:rPr lang="en-GB" dirty="0" err="1" smtClean="0"/>
               <a:t>github</a:t>
             </a:r>
             <a:r>
-              <a:rPr lang="nb-NO" dirty="0"/>
-              <a:t> in </a:t>
-            </a:r>
-            <a:r>
-              <a:rPr lang="nb-NO" dirty="0" err="1"/>
-              <a:t>the</a:t>
-            </a:r>
-            <a:r>
-              <a:rPr lang="nb-NO" dirty="0"/>
-              <a:t> </a:t>
-            </a:r>
-            <a:r>
-              <a:rPr lang="nb-NO" dirty="0" err="1"/>
-              <a:t>beggining</a:t>
-            </a:r>
-            <a:r>
-              <a:rPr lang="nb-NO" dirty="0"/>
-              <a:t>, </a:t>
-            </a:r>
-            <a:r>
-              <a:rPr lang="nb-NO" dirty="0" err="1"/>
-              <a:t>but</a:t>
-            </a:r>
-            <a:r>
-              <a:rPr lang="nb-NO" dirty="0"/>
-              <a:t> </a:t>
-            </a:r>
-            <a:r>
-              <a:rPr lang="nb-NO" dirty="0" err="1"/>
-              <a:t>when</a:t>
-            </a:r>
-            <a:r>
-              <a:rPr lang="nb-NO" dirty="0"/>
-              <a:t> </a:t>
-            </a:r>
-            <a:r>
-              <a:rPr lang="nb-NO" dirty="0" err="1"/>
-              <a:t>solved</a:t>
-            </a:r>
-            <a:r>
-              <a:rPr lang="nb-NO" dirty="0"/>
-              <a:t> </a:t>
-            </a:r>
-            <a:r>
-              <a:rPr lang="nb-NO" dirty="0" err="1"/>
-              <a:t>everything</a:t>
-            </a:r>
-            <a:r>
-              <a:rPr lang="nb-NO" dirty="0"/>
-              <a:t> has (so far) </a:t>
-            </a:r>
-            <a:r>
-              <a:rPr lang="nb-NO" dirty="0" err="1"/>
-              <a:t>gone</a:t>
-            </a:r>
-            <a:r>
-              <a:rPr lang="nb-NO" dirty="0"/>
-              <a:t> </a:t>
-            </a:r>
-            <a:r>
-              <a:rPr lang="nb-NO" dirty="0" err="1"/>
-              <a:t>smoothly</a:t>
-            </a:r>
-            <a:endParaRPr lang="nb-NO" dirty="0"/>
+              <a:rPr lang="en-GB" dirty="0" smtClean="0"/>
+              <a:t> in the </a:t>
+            </a:r>
+            <a:r>
+              <a:rPr lang="en-GB" noProof="0" dirty="0" smtClean="0"/>
+              <a:t>beginning</a:t>
+            </a:r>
+            <a:r>
+              <a:rPr lang="en-GB" dirty="0" smtClean="0"/>
+              <a:t>, but when solved everything has (so far) gone smoothly</a:t>
+            </a:r>
           </a:p>
           <a:p>
             <a:pPr marL="0" indent="0">
@@ -1428,10 +903,9 @@
               <a:buNone/>
             </a:pPr>
             <a:r>
-              <a:rPr lang="nb-NO" dirty="0" err="1"/>
+              <a:rPr lang="en-GB" dirty="0" smtClean="0"/>
               <a:t>Fixes</a:t>
             </a:r>
-            <a:endParaRPr lang="nb-NO" dirty="0"/>
           </a:p>
           <a:p>
             <a:pPr marL="171450" indent="-171450">
@@ -1439,86 +913,9 @@
               <a:buChar char="•"/>
             </a:pPr>
             <a:r>
-              <a:rPr lang="nb-NO" dirty="0"/>
-              <a:t>A </a:t>
-            </a:r>
-            <a:r>
-              <a:rPr lang="nb-NO" dirty="0" err="1"/>
-              <a:t>solution</a:t>
-            </a:r>
-            <a:r>
-              <a:rPr lang="nb-NO" dirty="0"/>
-              <a:t> is to </a:t>
-            </a:r>
-            <a:r>
-              <a:rPr lang="nb-NO" dirty="0" err="1"/>
-              <a:t>try</a:t>
-            </a:r>
-            <a:r>
-              <a:rPr lang="nb-NO" dirty="0"/>
-              <a:t> and break </a:t>
-            </a:r>
-            <a:r>
-              <a:rPr lang="nb-NO" dirty="0" err="1"/>
-              <a:t>down</a:t>
-            </a:r>
-            <a:r>
-              <a:rPr lang="nb-NO" dirty="0"/>
-              <a:t> </a:t>
-            </a:r>
-            <a:r>
-              <a:rPr lang="nb-NO" dirty="0" err="1"/>
-              <a:t>tasks</a:t>
-            </a:r>
-            <a:r>
-              <a:rPr lang="nb-NO" dirty="0"/>
-              <a:t> </a:t>
-            </a:r>
-            <a:r>
-              <a:rPr lang="nb-NO" dirty="0" err="1"/>
-              <a:t>into</a:t>
-            </a:r>
-            <a:r>
-              <a:rPr lang="nb-NO" dirty="0"/>
-              <a:t> </a:t>
-            </a:r>
-            <a:r>
-              <a:rPr lang="nb-NO" dirty="0" err="1"/>
-              <a:t>smaller</a:t>
-            </a:r>
-            <a:r>
-              <a:rPr lang="nb-NO" dirty="0"/>
-              <a:t> </a:t>
-            </a:r>
-            <a:r>
-              <a:rPr lang="nb-NO" dirty="0" err="1"/>
-              <a:t>pieces</a:t>
-            </a:r>
-            <a:r>
-              <a:rPr lang="nb-NO" dirty="0"/>
-              <a:t> so </a:t>
-            </a:r>
-            <a:r>
-              <a:rPr lang="nb-NO" dirty="0" err="1"/>
-              <a:t>they</a:t>
-            </a:r>
-            <a:r>
-              <a:rPr lang="nb-NO" dirty="0"/>
-              <a:t> </a:t>
-            </a:r>
-            <a:r>
-              <a:rPr lang="nb-NO" dirty="0" err="1"/>
-              <a:t>are</a:t>
-            </a:r>
-            <a:r>
-              <a:rPr lang="nb-NO" dirty="0"/>
-              <a:t> </a:t>
-            </a:r>
-            <a:r>
-              <a:rPr lang="nb-NO" dirty="0" err="1"/>
-              <a:t>managable</a:t>
-            </a:r>
-            <a:endParaRPr lang="nb-NO" dirty="0"/>
+              <a:rPr lang="en-GB" dirty="0" smtClean="0"/>
+              <a:t>A solution is to try and break down tasks into smaller pieces so they are manageable</a:t>
+            </a:r>
           </a:p>
           <a:p>
             <a:pPr marL="171450" indent="-171450">
@@ -1526,38 +923,14 @@
               <a:buChar char="•"/>
             </a:pPr>
             <a:r>
-              <a:rPr lang="nb-NO" dirty="0"/>
-              <a:t>A Solution to time used in </a:t>
-            </a:r>
-            <a:r>
-              <a:rPr lang="nb-NO" dirty="0" err="1"/>
-              <a:t>meetings</a:t>
-            </a:r>
-            <a:r>
-              <a:rPr lang="nb-NO" dirty="0"/>
-              <a:t> is to have a </a:t>
-            </a:r>
-            <a:r>
-              <a:rPr lang="nb-NO" dirty="0" err="1"/>
-              <a:t>spesific</a:t>
-            </a:r>
-            <a:r>
-              <a:rPr lang="nb-NO" dirty="0"/>
-              <a:t> agenda to </a:t>
-            </a:r>
-            <a:r>
-              <a:rPr lang="nb-NO" dirty="0" err="1"/>
-              <a:t>go</a:t>
-            </a:r>
-            <a:r>
-              <a:rPr lang="nb-NO" dirty="0"/>
-              <a:t> </a:t>
-            </a:r>
-            <a:r>
-              <a:rPr lang="nb-NO" dirty="0" err="1"/>
-              <a:t>trough</a:t>
-            </a:r>
-            <a:endParaRPr lang="nb-NO" dirty="0"/>
+              <a:rPr lang="en-GB" dirty="0" smtClean="0"/>
+              <a:t>A Solution to time used in meetings is to have a specific agenda to go</a:t>
+            </a:r>
+            <a:r>
+              <a:rPr lang="en-GB" baseline="0" dirty="0" smtClean="0"/>
+              <a:t> through</a:t>
+            </a:r>
+            <a:endParaRPr lang="en-GB" dirty="0"/>
           </a:p>
         </p:txBody>
       </p:sp>
@@ -1642,14 +1015,9 @@
           <a:lstStyle/>
           <a:p>
             <a:r>
-              <a:rPr lang="nb-NO" dirty="0"/>
-              <a:t>Game </a:t>
-            </a:r>
-            <a:r>
-              <a:rPr lang="nb-NO" dirty="0" err="1"/>
-              <a:t>skeleton</a:t>
-            </a:r>
-            <a:endParaRPr lang="nb-NO" dirty="0"/>
+              <a:rPr lang="en-GB" noProof="0" dirty="0" smtClean="0"/>
+              <a:t>Game skeleton</a:t>
+            </a:r>
           </a:p>
           <a:p>
             <a:pPr marL="171450" indent="-171450">
@@ -1657,175 +1025,34 @@
               <a:buChar char="•"/>
             </a:pPr>
             <a:r>
-              <a:rPr lang="nb-NO" dirty="0" err="1"/>
-              <a:t>Prioritized</a:t>
-            </a:r>
-            <a:r>
-              <a:rPr lang="nb-NO" dirty="0"/>
-              <a:t> </a:t>
-            </a:r>
-            <a:r>
-              <a:rPr lang="nb-NO" dirty="0" err="1"/>
-              <a:t>making</a:t>
-            </a:r>
-            <a:r>
-              <a:rPr lang="nb-NO" dirty="0"/>
-              <a:t> a game </a:t>
-            </a:r>
-            <a:r>
-              <a:rPr lang="nb-NO" dirty="0" err="1"/>
-              <a:t>skeleton</a:t>
-            </a:r>
-            <a:r>
-              <a:rPr lang="nb-NO" dirty="0"/>
-              <a:t>, </a:t>
-            </a:r>
-            <a:r>
-              <a:rPr lang="nb-NO" dirty="0" err="1"/>
-              <a:t>with</a:t>
-            </a:r>
-            <a:r>
-              <a:rPr lang="nb-NO" dirty="0"/>
-              <a:t> </a:t>
-            </a:r>
-            <a:r>
-              <a:rPr lang="nb-NO" dirty="0" err="1"/>
-              <a:t>stronger</a:t>
-            </a:r>
-            <a:r>
-              <a:rPr lang="nb-NO" dirty="0"/>
-              <a:t> </a:t>
-            </a:r>
-            <a:r>
-              <a:rPr lang="nb-NO" dirty="0" err="1"/>
-              <a:t>prioritized</a:t>
-            </a:r>
-            <a:r>
-              <a:rPr lang="nb-NO" dirty="0"/>
-              <a:t> </a:t>
-            </a:r>
-            <a:r>
-              <a:rPr lang="nb-NO" dirty="0" err="1"/>
-              <a:t>classes</a:t>
-            </a:r>
-            <a:r>
-              <a:rPr lang="nb-NO" dirty="0"/>
-              <a:t> </a:t>
-            </a:r>
-            <a:r>
-              <a:rPr lang="nb-NO" dirty="0" err="1"/>
-              <a:t>such</a:t>
-            </a:r>
-            <a:r>
-              <a:rPr lang="nb-NO" dirty="0"/>
-              <a:t> as </a:t>
-            </a:r>
-            <a:r>
-              <a:rPr lang="nb-NO" dirty="0" err="1"/>
-              <a:t>Map</a:t>
-            </a:r>
-            <a:r>
-              <a:rPr lang="nb-NO" dirty="0"/>
-              <a:t>, Robot, game </a:t>
-            </a:r>
-            <a:r>
-              <a:rPr lang="nb-NO" dirty="0" err="1"/>
+              <a:rPr lang="en-GB" noProof="0" dirty="0" smtClean="0"/>
+              <a:t>Prioritized making a game skeleton, with stronger prioritized classes such as Map, Robot, game </a:t>
+            </a:r>
+            <a:r>
+              <a:rPr lang="en-GB" noProof="0" dirty="0" err="1" smtClean="0"/>
               <a:t>etc</a:t>
             </a:r>
             <a:r>
-              <a:rPr lang="nb-NO" dirty="0"/>
-              <a:t> </a:t>
-            </a:r>
-            <a:r>
-              <a:rPr lang="nb-NO" dirty="0" err="1"/>
-              <a:t>with</a:t>
-            </a:r>
-            <a:r>
-              <a:rPr lang="nb-NO" dirty="0"/>
-              <a:t> </a:t>
-            </a:r>
-            <a:r>
-              <a:rPr lang="nb-NO" dirty="0" err="1"/>
-              <a:t>alot</a:t>
-            </a:r>
-            <a:r>
-              <a:rPr lang="nb-NO" dirty="0"/>
-              <a:t> </a:t>
-            </a:r>
-            <a:r>
-              <a:rPr lang="nb-NO" dirty="0" err="1"/>
-              <a:t>of</a:t>
-            </a:r>
-            <a:r>
-              <a:rPr lang="nb-NO" dirty="0"/>
-              <a:t> </a:t>
-            </a:r>
-            <a:r>
-              <a:rPr lang="nb-NO" dirty="0" err="1"/>
-              <a:t>other</a:t>
-            </a:r>
-            <a:r>
-              <a:rPr lang="nb-NO" dirty="0"/>
-              <a:t> </a:t>
-            </a:r>
-            <a:r>
-              <a:rPr lang="nb-NO" dirty="0" err="1"/>
-              <a:t>smaller</a:t>
-            </a:r>
-            <a:r>
-              <a:rPr lang="nb-NO" dirty="0"/>
-              <a:t> less </a:t>
-            </a:r>
-            <a:r>
-              <a:rPr lang="nb-NO" dirty="0" err="1"/>
-              <a:t>filled</a:t>
-            </a:r>
-            <a:r>
-              <a:rPr lang="nb-NO" dirty="0"/>
-              <a:t> </a:t>
-            </a:r>
-            <a:r>
-              <a:rPr lang="nb-NO" dirty="0" err="1"/>
-              <a:t>classes</a:t>
-            </a:r>
-            <a:r>
-              <a:rPr lang="nb-NO" dirty="0"/>
-              <a:t> </a:t>
-            </a:r>
-            <a:r>
-              <a:rPr lang="nb-NO" dirty="0" err="1"/>
-              <a:t>such</a:t>
-            </a:r>
-            <a:r>
-              <a:rPr lang="nb-NO" dirty="0"/>
-              <a:t> as </a:t>
-            </a:r>
-            <a:r>
-              <a:rPr lang="nb-NO" dirty="0" err="1"/>
-              <a:t>flag</a:t>
-            </a:r>
-            <a:r>
-              <a:rPr lang="nb-NO" dirty="0"/>
-              <a:t>, </a:t>
-            </a:r>
-            <a:r>
-              <a:rPr lang="nb-NO" dirty="0" err="1"/>
+              <a:rPr lang="en-GB" noProof="0" dirty="0" smtClean="0"/>
+              <a:t> with a lot of other smaller less filled classes such as flag, </a:t>
+            </a:r>
+            <a:r>
+              <a:rPr lang="en-GB" noProof="0" dirty="0" err="1" smtClean="0"/>
               <a:t>conveyorbelt</a:t>
             </a:r>
             <a:r>
-              <a:rPr lang="nb-NO" dirty="0"/>
+              <a:rPr lang="en-GB" noProof="0" dirty="0" smtClean="0"/>
               <a:t> etc.</a:t>
             </a:r>
           </a:p>
           <a:p>
-            <a:endParaRPr lang="nb-NO" dirty="0"/>
-          </a:p>
-          <a:p>
-            <a:r>
-              <a:rPr lang="nb-NO" dirty="0" err="1"/>
+            <a:endParaRPr lang="en-GB" noProof="0" dirty="0" smtClean="0"/>
+          </a:p>
+          <a:p>
+            <a:r>
+              <a:rPr lang="en-GB" noProof="0" dirty="0" smtClean="0"/>
               <a:t>Overview</a:t>
             </a:r>
-            <a:endParaRPr lang="nb-NO" dirty="0"/>
           </a:p>
           <a:p>
             <a:pPr marL="171450" indent="-171450">
@@ -1833,216 +1060,18 @@
               <a:buChar char="•"/>
             </a:pPr>
             <a:r>
-              <a:rPr lang="nb-NO" dirty="0"/>
-              <a:t>The </a:t>
-            </a:r>
-            <a:r>
-              <a:rPr lang="nb-NO" dirty="0" err="1"/>
-              <a:t>reason</a:t>
-            </a:r>
-            <a:r>
-              <a:rPr lang="nb-NO" dirty="0"/>
-              <a:t> for </a:t>
-            </a:r>
-            <a:r>
-              <a:rPr lang="nb-NO" dirty="0" err="1"/>
-              <a:t>doing</a:t>
-            </a:r>
-            <a:r>
-              <a:rPr lang="nb-NO" dirty="0"/>
-              <a:t> it like </a:t>
-            </a:r>
-            <a:r>
-              <a:rPr lang="nb-NO" dirty="0" err="1"/>
-              <a:t>this</a:t>
-            </a:r>
-            <a:r>
-              <a:rPr lang="nb-NO" dirty="0"/>
-              <a:t> is </a:t>
-            </a:r>
-            <a:r>
-              <a:rPr lang="nb-NO" dirty="0" err="1"/>
-              <a:t>that</a:t>
-            </a:r>
-            <a:r>
-              <a:rPr lang="nb-NO" dirty="0"/>
-              <a:t> </a:t>
-            </a:r>
-            <a:r>
-              <a:rPr lang="nb-NO" dirty="0" err="1"/>
-              <a:t>we</a:t>
-            </a:r>
-            <a:r>
-              <a:rPr lang="nb-NO" dirty="0"/>
-              <a:t> </a:t>
-            </a:r>
-            <a:r>
-              <a:rPr lang="nb-NO" dirty="0" err="1"/>
-              <a:t>think</a:t>
-            </a:r>
-            <a:r>
-              <a:rPr lang="nb-NO" dirty="0"/>
-              <a:t> </a:t>
-            </a:r>
-            <a:r>
-              <a:rPr lang="nb-NO" dirty="0" err="1"/>
-              <a:t>this</a:t>
-            </a:r>
-            <a:r>
-              <a:rPr lang="nb-NO" dirty="0"/>
-              <a:t> </a:t>
-            </a:r>
-            <a:r>
-              <a:rPr lang="nb-NO" dirty="0" err="1"/>
-              <a:t>will</a:t>
-            </a:r>
-            <a:r>
-              <a:rPr lang="nb-NO" dirty="0"/>
-              <a:t> </a:t>
-            </a:r>
-            <a:r>
-              <a:rPr lang="nb-NO" dirty="0" err="1"/>
-              <a:t>give</a:t>
-            </a:r>
-            <a:r>
-              <a:rPr lang="nb-NO" dirty="0"/>
-              <a:t> </a:t>
-            </a:r>
-            <a:r>
-              <a:rPr lang="nb-NO" dirty="0" err="1"/>
-              <a:t>us</a:t>
-            </a:r>
-            <a:r>
-              <a:rPr lang="nb-NO" dirty="0"/>
-              <a:t> an </a:t>
-            </a:r>
-            <a:r>
-              <a:rPr lang="nb-NO" dirty="0" err="1"/>
-              <a:t>overview</a:t>
-            </a:r>
-            <a:r>
-              <a:rPr lang="nb-NO" dirty="0"/>
-              <a:t> </a:t>
-            </a:r>
-            <a:r>
-              <a:rPr lang="nb-NO" dirty="0" err="1"/>
-              <a:t>early</a:t>
-            </a:r>
-            <a:r>
-              <a:rPr lang="nb-NO" dirty="0"/>
-              <a:t> in </a:t>
-            </a:r>
-            <a:r>
-              <a:rPr lang="nb-NO" dirty="0" err="1"/>
-              <a:t>the</a:t>
-            </a:r>
-            <a:r>
-              <a:rPr lang="nb-NO" dirty="0"/>
-              <a:t> </a:t>
-            </a:r>
-            <a:r>
-              <a:rPr lang="nb-NO" dirty="0" err="1"/>
-              <a:t>process</a:t>
-            </a:r>
-            <a:r>
-              <a:rPr lang="nb-NO" dirty="0"/>
-              <a:t> by letting </a:t>
-            </a:r>
-            <a:r>
-              <a:rPr lang="nb-NO" dirty="0" err="1"/>
-              <a:t>us</a:t>
-            </a:r>
-            <a:r>
-              <a:rPr lang="nb-NO" dirty="0"/>
-              <a:t> </a:t>
-            </a:r>
-            <a:r>
-              <a:rPr lang="nb-NO" dirty="0" err="1"/>
-              <a:t>visualize</a:t>
-            </a:r>
-            <a:r>
-              <a:rPr lang="nb-NO" dirty="0"/>
-              <a:t> </a:t>
-            </a:r>
-            <a:r>
-              <a:rPr lang="nb-NO" dirty="0" err="1"/>
-              <a:t>what</a:t>
-            </a:r>
-            <a:r>
-              <a:rPr lang="nb-NO" dirty="0"/>
-              <a:t>/</a:t>
-            </a:r>
-            <a:r>
-              <a:rPr lang="nb-NO" dirty="0" err="1"/>
-              <a:t>how</a:t>
-            </a:r>
-            <a:r>
-              <a:rPr lang="nb-NO" dirty="0"/>
-              <a:t> </a:t>
-            </a:r>
-            <a:r>
-              <a:rPr lang="nb-NO" dirty="0" err="1"/>
-              <a:t>we</a:t>
-            </a:r>
-            <a:r>
-              <a:rPr lang="nb-NO" dirty="0"/>
-              <a:t> </a:t>
-            </a:r>
-            <a:r>
-              <a:rPr lang="nb-NO" dirty="0" err="1"/>
-              <a:t>can</a:t>
-            </a:r>
-            <a:r>
-              <a:rPr lang="nb-NO" dirty="0"/>
-              <a:t> </a:t>
-            </a:r>
-            <a:r>
-              <a:rPr lang="nb-NO" dirty="0" err="1"/>
-              <a:t>resolve</a:t>
-            </a:r>
-            <a:r>
-              <a:rPr lang="nb-NO" dirty="0"/>
-              <a:t> problems or plan </a:t>
-            </a:r>
-            <a:r>
-              <a:rPr lang="nb-NO" dirty="0" err="1"/>
-              <a:t>strategies</a:t>
-            </a:r>
-            <a:r>
-              <a:rPr lang="nb-NO" dirty="0"/>
-              <a:t> </a:t>
-            </a:r>
-            <a:r>
-              <a:rPr lang="nb-NO" dirty="0" err="1"/>
-              <a:t>before</a:t>
-            </a:r>
-            <a:r>
-              <a:rPr lang="nb-NO" dirty="0"/>
-              <a:t> it </a:t>
-            </a:r>
-            <a:r>
-              <a:rPr lang="nb-NO" dirty="0" err="1"/>
-              <a:t>becomes</a:t>
-            </a:r>
-            <a:r>
-              <a:rPr lang="nb-NO" dirty="0"/>
-              <a:t> a </a:t>
-            </a:r>
-            <a:r>
-              <a:rPr lang="nb-NO" dirty="0" err="1"/>
-              <a:t>concern</a:t>
-            </a:r>
-            <a:endParaRPr lang="nb-NO" dirty="0"/>
-          </a:p>
-          <a:p>
-            <a:endParaRPr lang="nb-NO" dirty="0"/>
-          </a:p>
-          <a:p>
-            <a:r>
-              <a:rPr lang="nb-NO" dirty="0" err="1"/>
+              <a:rPr lang="en-GB" noProof="0" dirty="0" smtClean="0"/>
+              <a:t>The reason for doing it like this is that we think this will give us an overview early in the process by letting us visualize what/how we can resolve problems or plan strategies before it becomes a concern</a:t>
+            </a:r>
+          </a:p>
+          <a:p>
+            <a:endParaRPr lang="en-GB" noProof="0" dirty="0" smtClean="0"/>
+          </a:p>
+          <a:p>
+            <a:r>
+              <a:rPr lang="en-GB" noProof="0" dirty="0" smtClean="0"/>
               <a:t>Issues</a:t>
             </a:r>
-            <a:endParaRPr lang="nb-NO" dirty="0"/>
           </a:p>
           <a:p>
             <a:pPr marL="171450" indent="-171450">
@@ -2050,86 +1079,9 @@
               <a:buChar char="•"/>
             </a:pPr>
             <a:r>
-              <a:rPr lang="nb-NO" dirty="0"/>
-              <a:t>With all </a:t>
-            </a:r>
-            <a:r>
-              <a:rPr lang="nb-NO" dirty="0" err="1"/>
-              <a:t>these</a:t>
-            </a:r>
-            <a:r>
-              <a:rPr lang="nb-NO" dirty="0"/>
-              <a:t> </a:t>
-            </a:r>
-            <a:r>
-              <a:rPr lang="nb-NO" dirty="0" err="1"/>
-              <a:t>smaller</a:t>
-            </a:r>
-            <a:r>
-              <a:rPr lang="nb-NO" dirty="0"/>
-              <a:t> </a:t>
-            </a:r>
-            <a:r>
-              <a:rPr lang="nb-NO" dirty="0" err="1"/>
-              <a:t>classes</a:t>
-            </a:r>
-            <a:r>
-              <a:rPr lang="nb-NO" dirty="0"/>
-              <a:t> it is </a:t>
-            </a:r>
-            <a:r>
-              <a:rPr lang="nb-NO" dirty="0" err="1"/>
-              <a:t>easy</a:t>
-            </a:r>
-            <a:r>
-              <a:rPr lang="nb-NO" dirty="0"/>
-              <a:t> to </a:t>
-            </a:r>
-            <a:r>
-              <a:rPr lang="nb-NO" dirty="0" err="1"/>
-              <a:t>get</a:t>
-            </a:r>
-            <a:r>
-              <a:rPr lang="nb-NO" dirty="0"/>
-              <a:t> </a:t>
-            </a:r>
-            <a:r>
-              <a:rPr lang="nb-NO" dirty="0" err="1"/>
-              <a:t>tempted</a:t>
-            </a:r>
-            <a:r>
-              <a:rPr lang="nb-NO" dirty="0"/>
-              <a:t> to make </a:t>
-            </a:r>
-            <a:r>
-              <a:rPr lang="nb-NO" dirty="0" err="1"/>
-              <a:t>new</a:t>
-            </a:r>
-            <a:r>
-              <a:rPr lang="nb-NO" dirty="0"/>
-              <a:t> </a:t>
-            </a:r>
-            <a:r>
-              <a:rPr lang="nb-NO" dirty="0" err="1"/>
-              <a:t>functionality</a:t>
-            </a:r>
-            <a:r>
-              <a:rPr lang="nb-NO" dirty="0"/>
-              <a:t> or make </a:t>
-            </a:r>
-            <a:r>
-              <a:rPr lang="nb-NO" dirty="0" err="1"/>
-              <a:t>them</a:t>
-            </a:r>
-            <a:r>
-              <a:rPr lang="nb-NO" dirty="0"/>
-              <a:t> </a:t>
-            </a:r>
-            <a:r>
-              <a:rPr lang="nb-NO" dirty="0" err="1"/>
-              <a:t>better</a:t>
-            </a:r>
-            <a:endParaRPr lang="nb-NO" dirty="0"/>
+              <a:rPr lang="en-GB" noProof="0" dirty="0" smtClean="0"/>
+              <a:t>With all these smaller classes it is easy to get tempted to make new functionality or make them better</a:t>
+            </a:r>
           </a:p>
           <a:p>
             <a:pPr marL="171450" indent="-171450">
@@ -2137,89 +1089,15 @@
               <a:buChar char="•"/>
             </a:pPr>
             <a:r>
-              <a:rPr lang="nb-NO" dirty="0" err="1"/>
-              <a:t>Becomes</a:t>
-            </a:r>
-            <a:r>
-              <a:rPr lang="nb-NO" dirty="0"/>
-              <a:t> a bit more </a:t>
-            </a:r>
-            <a:r>
-              <a:rPr lang="nb-NO" dirty="0" err="1"/>
-              <a:t>messy</a:t>
-            </a:r>
-            <a:r>
-              <a:rPr lang="nb-NO" dirty="0"/>
-              <a:t> </a:t>
-            </a:r>
-            <a:r>
-              <a:rPr lang="nb-NO" dirty="0" err="1"/>
-              <a:t>than</a:t>
-            </a:r>
-            <a:r>
-              <a:rPr lang="nb-NO" dirty="0"/>
-              <a:t> </a:t>
-            </a:r>
-            <a:r>
-              <a:rPr lang="nb-NO" dirty="0" err="1"/>
-              <a:t>perhaps</a:t>
-            </a:r>
-            <a:r>
-              <a:rPr lang="nb-NO" dirty="0"/>
-              <a:t> </a:t>
-            </a:r>
-            <a:r>
-              <a:rPr lang="nb-NO" dirty="0" err="1"/>
-              <a:t>whats</a:t>
-            </a:r>
-            <a:r>
-              <a:rPr lang="nb-NO" dirty="0"/>
-              <a:t> </a:t>
-            </a:r>
-            <a:r>
-              <a:rPr lang="nb-NO" dirty="0" err="1"/>
-              <a:t>necessary</a:t>
-            </a:r>
-            <a:r>
-              <a:rPr lang="nb-NO" dirty="0"/>
-              <a:t> </a:t>
-            </a:r>
-            <a:r>
-              <a:rPr lang="nb-NO" dirty="0" err="1"/>
-              <a:t>this</a:t>
-            </a:r>
-            <a:r>
-              <a:rPr lang="nb-NO" dirty="0"/>
-              <a:t> </a:t>
-            </a:r>
-            <a:r>
-              <a:rPr lang="nb-NO" dirty="0" err="1"/>
-              <a:t>early</a:t>
-            </a:r>
-            <a:r>
-              <a:rPr lang="nb-NO" dirty="0"/>
-              <a:t> in </a:t>
-            </a:r>
-            <a:r>
-              <a:rPr lang="nb-NO" dirty="0" err="1"/>
-              <a:t>the</a:t>
-            </a:r>
-            <a:r>
-              <a:rPr lang="nb-NO" dirty="0"/>
-              <a:t> </a:t>
-            </a:r>
-            <a:r>
-              <a:rPr lang="nb-NO" dirty="0" err="1"/>
-              <a:t>making</a:t>
-            </a:r>
-            <a:endParaRPr lang="nb-NO" dirty="0"/>
-          </a:p>
-          <a:p>
-            <a:r>
-              <a:rPr lang="nb-NO" dirty="0" err="1"/>
+              <a:rPr lang="en-GB" noProof="0" dirty="0" smtClean="0"/>
+              <a:t>Becomes a bit more messy than perhaps what's necessary this early in the making</a:t>
+            </a:r>
+          </a:p>
+          <a:p>
+            <a:r>
+              <a:rPr lang="en-GB" noProof="0" dirty="0" smtClean="0"/>
               <a:t>Fixes</a:t>
             </a:r>
-            <a:endParaRPr lang="nb-NO" dirty="0"/>
           </a:p>
           <a:p>
             <a:pPr marL="171450" indent="-171450">
@@ -2227,118 +1105,10 @@
               <a:buChar char="•"/>
             </a:pPr>
             <a:r>
-              <a:rPr lang="nb-NO" dirty="0"/>
-              <a:t>Our </a:t>
-            </a:r>
-            <a:r>
-              <a:rPr lang="nb-NO" dirty="0" err="1"/>
-              <a:t>fixes</a:t>
-            </a:r>
-            <a:r>
-              <a:rPr lang="nb-NO" dirty="0"/>
-              <a:t> for </a:t>
-            </a:r>
-            <a:r>
-              <a:rPr lang="nb-NO" dirty="0" err="1"/>
-              <a:t>this</a:t>
-            </a:r>
-            <a:r>
-              <a:rPr lang="nb-NO" dirty="0"/>
-              <a:t> is to </a:t>
-            </a:r>
-            <a:r>
-              <a:rPr lang="nb-NO" dirty="0" err="1"/>
-              <a:t>stick</a:t>
-            </a:r>
-            <a:r>
-              <a:rPr lang="nb-NO" dirty="0"/>
-              <a:t> to </a:t>
-            </a:r>
-            <a:r>
-              <a:rPr lang="nb-NO" dirty="0" err="1"/>
-              <a:t>our</a:t>
-            </a:r>
-            <a:r>
-              <a:rPr lang="nb-NO" dirty="0"/>
-              <a:t> </a:t>
-            </a:r>
-            <a:r>
-              <a:rPr lang="nb-NO" dirty="0" err="1"/>
-              <a:t>project</a:t>
-            </a:r>
-            <a:r>
-              <a:rPr lang="nb-NO" dirty="0"/>
-              <a:t> </a:t>
-            </a:r>
-            <a:r>
-              <a:rPr lang="nb-NO" dirty="0" err="1"/>
-              <a:t>method</a:t>
-            </a:r>
-            <a:r>
-              <a:rPr lang="nb-NO" dirty="0"/>
-              <a:t>, and </a:t>
-            </a:r>
-            <a:r>
-              <a:rPr lang="nb-NO" dirty="0" err="1"/>
-              <a:t>try</a:t>
-            </a:r>
-            <a:r>
-              <a:rPr lang="nb-NO" dirty="0"/>
-              <a:t> to </a:t>
-            </a:r>
-            <a:r>
-              <a:rPr lang="nb-NO" dirty="0" err="1"/>
-              <a:t>focus</a:t>
-            </a:r>
-            <a:r>
-              <a:rPr lang="nb-NO" dirty="0"/>
-              <a:t> </a:t>
-            </a:r>
-            <a:r>
-              <a:rPr lang="nb-NO" dirty="0" err="1"/>
-              <a:t>on</a:t>
-            </a:r>
-            <a:r>
-              <a:rPr lang="nb-NO" dirty="0"/>
-              <a:t> </a:t>
-            </a:r>
-            <a:r>
-              <a:rPr lang="nb-NO" dirty="0" err="1"/>
-              <a:t>the</a:t>
-            </a:r>
-            <a:r>
-              <a:rPr lang="nb-NO" dirty="0"/>
-              <a:t> </a:t>
-            </a:r>
-            <a:r>
-              <a:rPr lang="nb-NO" dirty="0" err="1"/>
-              <a:t>prioritized</a:t>
-            </a:r>
-            <a:r>
-              <a:rPr lang="nb-NO" dirty="0"/>
-              <a:t> lists </a:t>
-            </a:r>
-            <a:r>
-              <a:rPr lang="nb-NO" dirty="0" err="1"/>
-              <a:t>we</a:t>
-            </a:r>
-            <a:r>
-              <a:rPr lang="nb-NO" dirty="0"/>
-              <a:t> make </a:t>
-            </a:r>
-            <a:r>
-              <a:rPr lang="nb-NO" dirty="0" err="1"/>
-              <a:t>each</a:t>
-            </a:r>
-            <a:r>
-              <a:rPr lang="nb-NO" dirty="0"/>
-              <a:t> </a:t>
-            </a:r>
-            <a:r>
-              <a:rPr lang="nb-NO" dirty="0" err="1"/>
-              <a:t>week</a:t>
-            </a:r>
-            <a:endParaRPr lang="nb-NO" dirty="0"/>
+              <a:rPr lang="en-GB" noProof="0" dirty="0" smtClean="0"/>
+              <a:t>Our fixes for this is to stick to our project method, and try to focus on the prioritized lists we make each week</a:t>
+            </a:r>
+            <a:endParaRPr lang="en-GB" noProof="0" dirty="0"/>
           </a:p>
         </p:txBody>
       </p:sp>
@@ -2423,24 +1193,8 @@
           <a:lstStyle/>
           <a:p>
             <a:r>
-              <a:rPr lang="nb-NO" dirty="0"/>
-              <a:t>Most </a:t>
-            </a:r>
-            <a:r>
-              <a:rPr lang="nb-NO" dirty="0" err="1"/>
-              <a:t>important</a:t>
-            </a:r>
-            <a:r>
-              <a:rPr lang="nb-NO" dirty="0"/>
-              <a:t> </a:t>
-            </a:r>
-            <a:r>
-              <a:rPr lang="nb-NO" dirty="0" err="1"/>
-              <a:t>experiences</a:t>
-            </a:r>
-            <a:r>
-              <a:rPr lang="nb-NO" dirty="0"/>
-              <a:t> is</a:t>
+              <a:rPr lang="en-GB" noProof="0" dirty="0" smtClean="0"/>
+              <a:t>Most important experiences is</a:t>
             </a:r>
           </a:p>
           <a:p>
@@ -2449,70 +1203,9 @@
               <a:buChar char="•"/>
             </a:pPr>
             <a:r>
-              <a:rPr lang="nb-NO" dirty="0"/>
-              <a:t>The </a:t>
-            </a:r>
-            <a:r>
-              <a:rPr lang="nb-NO" dirty="0" err="1"/>
-              <a:t>amount</a:t>
-            </a:r>
-            <a:r>
-              <a:rPr lang="nb-NO" dirty="0"/>
-              <a:t> </a:t>
-            </a:r>
-            <a:r>
-              <a:rPr lang="nb-NO" dirty="0" err="1"/>
-              <a:t>of</a:t>
-            </a:r>
-            <a:r>
-              <a:rPr lang="nb-NO" dirty="0"/>
-              <a:t> time all </a:t>
-            </a:r>
-            <a:r>
-              <a:rPr lang="nb-NO" dirty="0" err="1"/>
-              <a:t>these</a:t>
-            </a:r>
-            <a:r>
-              <a:rPr lang="nb-NO" dirty="0"/>
-              <a:t> different </a:t>
-            </a:r>
-            <a:r>
-              <a:rPr lang="nb-NO" dirty="0" err="1"/>
-              <a:t>processes</a:t>
-            </a:r>
-            <a:r>
-              <a:rPr lang="nb-NO" dirty="0"/>
-              <a:t>(</a:t>
-            </a:r>
-            <a:r>
-              <a:rPr lang="nb-NO" dirty="0" err="1"/>
-              <a:t>coding</a:t>
-            </a:r>
-            <a:r>
-              <a:rPr lang="nb-NO" dirty="0"/>
-              <a:t>, planning, </a:t>
-            </a:r>
-            <a:r>
-              <a:rPr lang="nb-NO" dirty="0" err="1"/>
-              <a:t>reviewing</a:t>
-            </a:r>
-            <a:r>
-              <a:rPr lang="nb-NO" dirty="0"/>
-              <a:t>, </a:t>
-            </a:r>
-            <a:r>
-              <a:rPr lang="nb-NO" dirty="0" err="1"/>
-              <a:t>retrospective</a:t>
-            </a:r>
-            <a:r>
-              <a:rPr lang="nb-NO" dirty="0"/>
-              <a:t>) </a:t>
-            </a:r>
-            <a:r>
-              <a:rPr lang="nb-NO" dirty="0" err="1"/>
-              <a:t>takes</a:t>
-            </a:r>
-            <a:endParaRPr lang="nb-NO" dirty="0"/>
+              <a:rPr lang="en-GB" noProof="0" dirty="0" smtClean="0"/>
+              <a:t>The amount of time all these different processes(coding, planning, reviewing, retrospective) takes</a:t>
+            </a:r>
           </a:p>
           <a:p>
             <a:pPr marL="171450" indent="-171450">
@@ -2520,64 +1213,8 @@
               <a:buChar char="•"/>
             </a:pPr>
             <a:r>
-              <a:rPr lang="nb-NO" dirty="0"/>
-              <a:t>How </a:t>
-            </a:r>
-            <a:r>
-              <a:rPr lang="nb-NO" dirty="0" err="1"/>
-              <a:t>much</a:t>
-            </a:r>
-            <a:r>
-              <a:rPr lang="nb-NO" dirty="0"/>
-              <a:t>/</a:t>
-            </a:r>
-            <a:r>
-              <a:rPr lang="nb-NO" dirty="0" err="1"/>
-              <a:t>little</a:t>
-            </a:r>
-            <a:r>
-              <a:rPr lang="nb-NO" dirty="0"/>
-              <a:t> </a:t>
-            </a:r>
-            <a:r>
-              <a:rPr lang="nb-NO" dirty="0" err="1"/>
-              <a:t>the</a:t>
-            </a:r>
-            <a:r>
-              <a:rPr lang="nb-NO" dirty="0"/>
-              <a:t> </a:t>
-            </a:r>
-            <a:r>
-              <a:rPr lang="nb-NO" dirty="0" err="1"/>
-              <a:t>workload</a:t>
-            </a:r>
-            <a:r>
-              <a:rPr lang="nb-NO" dirty="0"/>
-              <a:t> is/</a:t>
-            </a:r>
-            <a:r>
-              <a:rPr lang="nb-NO" dirty="0" err="1"/>
-              <a:t>compared</a:t>
-            </a:r>
-            <a:r>
-              <a:rPr lang="nb-NO" dirty="0"/>
-              <a:t> to </a:t>
-            </a:r>
-            <a:r>
-              <a:rPr lang="nb-NO" dirty="0" err="1"/>
-              <a:t>what</a:t>
-            </a:r>
-            <a:r>
-              <a:rPr lang="nb-NO" dirty="0"/>
-              <a:t> </a:t>
-            </a:r>
-            <a:r>
-              <a:rPr lang="nb-NO" dirty="0" err="1"/>
-              <a:t>one</a:t>
-            </a:r>
-            <a:r>
-              <a:rPr lang="nb-NO" dirty="0"/>
-              <a:t> first imagines</a:t>
+              <a:rPr lang="en-GB" noProof="0" dirty="0" smtClean="0"/>
+              <a:t>How much/little the workload is/compared to what one first imagines</a:t>
             </a:r>
           </a:p>
           <a:p>
@@ -2585,7 +1222,7 @@
               <a:buFont typeface="Arial" panose="020B0604020202020204" pitchFamily="34" charset="0"/>
               <a:buChar char="•"/>
             </a:pPr>
-            <a:endParaRPr lang="nb-NO" dirty="0"/>
+            <a:endParaRPr lang="en-GB" noProof="0" dirty="0" smtClean="0"/>
           </a:p>
           <a:p>
             <a:pPr marL="0" indent="0">
@@ -2593,54 +1230,9 @@
               <a:buNone/>
             </a:pPr>
             <a:r>
-              <a:rPr lang="nb-NO" dirty="0"/>
-              <a:t>Most </a:t>
-            </a:r>
-            <a:r>
-              <a:rPr lang="nb-NO" dirty="0" err="1"/>
-              <a:t>important</a:t>
-            </a:r>
-            <a:r>
-              <a:rPr lang="nb-NO" dirty="0"/>
-              <a:t> </a:t>
-            </a:r>
-            <a:r>
-              <a:rPr lang="nb-NO" dirty="0" err="1"/>
-              <a:t>things</a:t>
-            </a:r>
-            <a:r>
-              <a:rPr lang="nb-NO" dirty="0"/>
-              <a:t> to </a:t>
-            </a:r>
-            <a:r>
-              <a:rPr lang="nb-NO" dirty="0" err="1"/>
-              <a:t>work</a:t>
-            </a:r>
-            <a:r>
-              <a:rPr lang="nb-NO" dirty="0"/>
-              <a:t> </a:t>
-            </a:r>
-            <a:r>
-              <a:rPr lang="nb-NO" dirty="0" err="1"/>
-              <a:t>on</a:t>
-            </a:r>
-            <a:r>
-              <a:rPr lang="nb-NO" dirty="0"/>
-              <a:t> in </a:t>
-            </a:r>
-            <a:r>
-              <a:rPr lang="nb-NO" dirty="0" err="1"/>
-              <a:t>the</a:t>
-            </a:r>
-            <a:r>
-              <a:rPr lang="nb-NO" dirty="0"/>
-              <a:t> </a:t>
-            </a:r>
-            <a:r>
-              <a:rPr lang="nb-NO" dirty="0" err="1"/>
-              <a:t>future</a:t>
-            </a:r>
-            <a:endParaRPr lang="nb-NO" dirty="0"/>
+              <a:rPr lang="en-GB" noProof="0" dirty="0" smtClean="0"/>
+              <a:t>Most important things to work on in the future</a:t>
+            </a:r>
           </a:p>
           <a:p>
             <a:pPr marL="171450" indent="-171450">
@@ -2648,12 +1240,8 @@
               <a:buChar char="•"/>
             </a:pPr>
             <a:r>
-              <a:rPr lang="nb-NO" dirty="0" err="1"/>
-              <a:t>Efficiency</a:t>
-            </a:r>
-            <a:r>
-              <a:rPr lang="nb-NO" dirty="0"/>
-              <a:t> </a:t>
+              <a:rPr lang="en-GB" noProof="0" dirty="0" smtClean="0"/>
+              <a:t>Efficiency </a:t>
             </a:r>
           </a:p>
           <a:p>
@@ -2662,26 +1250,9 @@
               <a:buChar char="•"/>
             </a:pPr>
             <a:r>
-              <a:rPr lang="nb-NO" dirty="0" err="1"/>
-              <a:t>Concering</a:t>
-            </a:r>
-            <a:r>
-              <a:rPr lang="nb-NO" dirty="0"/>
-              <a:t> </a:t>
-            </a:r>
-            <a:r>
-              <a:rPr lang="nb-NO" dirty="0" err="1"/>
-              <a:t>both</a:t>
-            </a:r>
-            <a:r>
-              <a:rPr lang="nb-NO" dirty="0"/>
-              <a:t> time and </a:t>
-            </a:r>
-            <a:r>
-              <a:rPr lang="nb-NO" dirty="0" err="1"/>
-              <a:t>work</a:t>
-            </a:r>
-            <a:endParaRPr lang="nb-NO" dirty="0"/>
+              <a:rPr lang="en-GB" noProof="0" dirty="0" smtClean="0"/>
+              <a:t>Concerning both time and work</a:t>
+            </a:r>
           </a:p>
           <a:p>
             <a:pPr marL="628650" lvl="1" indent="-171450">
@@ -2689,14 +1260,9 @@
               <a:buChar char="•"/>
             </a:pPr>
             <a:r>
-              <a:rPr lang="nb-NO" dirty="0"/>
-              <a:t>At </a:t>
-            </a:r>
-            <a:r>
-              <a:rPr lang="nb-NO" dirty="0" err="1"/>
-              <a:t>meetings</a:t>
-            </a:r>
-            <a:endParaRPr lang="nb-NO" dirty="0"/>
+              <a:rPr lang="en-GB" noProof="0" dirty="0" smtClean="0"/>
+              <a:t>At meetings</a:t>
+            </a:r>
           </a:p>
           <a:p>
             <a:pPr marL="628650" lvl="1" indent="-171450">
@@ -2704,18 +1270,9 @@
               <a:buChar char="•"/>
             </a:pPr>
             <a:r>
-              <a:rPr lang="nb-NO" dirty="0" err="1"/>
-              <a:t>While</a:t>
-            </a:r>
-            <a:r>
-              <a:rPr lang="nb-NO" dirty="0"/>
-              <a:t> </a:t>
-            </a:r>
-            <a:r>
-              <a:rPr lang="nb-NO" dirty="0" err="1"/>
-              <a:t>coding</a:t>
-            </a:r>
-            <a:endParaRPr lang="nb-NO" dirty="0"/>
+              <a:rPr lang="en-GB" noProof="0" dirty="0" smtClean="0"/>
+              <a:t>While coding</a:t>
+            </a:r>
           </a:p>
           <a:p>
             <a:pPr marL="457200" lvl="1" indent="0">
@@ -3135,7 +1692,7 @@
               <a:rPr lang="nb-NO"/>
               <a:t>Klikk på ikonet for å legge til et bilde</a:t>
             </a:r>
-            <a:endParaRPr lang="en-US" dirty="0"/>
+            <a:endParaRPr lang="en-US"/>
           </a:p>
         </p:txBody>
       </p:sp>
@@ -3779,7 +2336,7 @@
           <a:p>
             <a:pPr lvl="0"/>
             <a:r>
-              <a:rPr lang="en-US" dirty="0"/>
+              <a:rPr lang="en-US"/>
               <a:t>“</a:t>
             </a:r>
           </a:p>
@@ -3826,7 +2383,7 @@
           <a:p>
             <a:pPr lvl="0"/>
             <a:r>
-              <a:rPr lang="en-US" dirty="0"/>
+              <a:rPr lang="en-US"/>
               <a:t>”</a:t>
             </a:r>
           </a:p>
@@ -4908,7 +3465,7 @@
               <a:rPr lang="nb-NO"/>
               <a:t>Klikk på ikonet for å legge til et bilde</a:t>
             </a:r>
-            <a:endParaRPr lang="en-US" dirty="0"/>
+            <a:endParaRPr lang="en-US"/>
           </a:p>
         </p:txBody>
       </p:sp>
@@ -5128,7 +3685,7 @@
               <a:rPr lang="nb-NO"/>
               <a:t>Klikk på ikonet for å legge til et bilde</a:t>
             </a:r>
-            <a:endParaRPr lang="en-US" dirty="0"/>
+            <a:endParaRPr lang="en-US"/>
           </a:p>
         </p:txBody>
       </p:sp>
@@ -5348,7 +3905,7 @@
               <a:rPr lang="nb-NO"/>
               <a:t>Klikk på ikonet for å legge til et bilde</a:t>
             </a:r>
-            <a:endParaRPr lang="en-US" dirty="0"/>
+            <a:endParaRPr lang="en-US"/>
           </a:p>
         </p:txBody>
       </p:sp>
@@ -7696,7 +6253,7 @@
               <a:rPr lang="nb-NO"/>
               <a:t>Klikk på ikonet for å legge til et bilde</a:t>
             </a:r>
-            <a:endParaRPr lang="en-US" dirty="0"/>
+            <a:endParaRPr lang="en-US"/>
           </a:p>
         </p:txBody>
       </p:sp>
@@ -8746,7 +7303,7 @@
           <p:cNvPr id="2" name="Tittel 1">
             <a:extLst>
               <a:ext uri="{FF2B5EF4-FFF2-40B4-BE49-F238E27FC236}">
-                <a16:creationId xmlns:a16="http://schemas.microsoft.com/office/drawing/2014/main" id="{DA0781B1-587B-49FD-AB53-AA1B9A1AEF94}"/>
+                <a16:creationId xmlns:a16="http://schemas.microsoft.com/office/drawing/2014/main" xmlns="" id="{DA0781B1-587B-49FD-AB53-AA1B9A1AEF94}"/>
               </a:ext>
             </a:extLst>
           </p:cNvPr>
@@ -8766,7 +7323,7 @@
               <a:rPr lang="nb-NO" dirty="0" err="1"/>
               <a:t>Dalek</a:t>
             </a:r>
-            <a:endParaRPr lang="nb-NO" dirty="0"/>
+            <a:endParaRPr lang="nb-NO"/>
           </a:p>
         </p:txBody>
       </p:sp>
@@ -8775,7 +7332,7 @@
           <p:cNvPr id="3" name="Undertittel 2">
             <a:extLst>
               <a:ext uri="{FF2B5EF4-FFF2-40B4-BE49-F238E27FC236}">
-                <a16:creationId xmlns:a16="http://schemas.microsoft.com/office/drawing/2014/main" id="{4B1A98A0-02A0-4A0D-858A-BBA103D69F29}"/>
+                <a16:creationId xmlns:a16="http://schemas.microsoft.com/office/drawing/2014/main" xmlns="" id="{4B1A98A0-02A0-4A0D-858A-BBA103D69F29}"/>
               </a:ext>
             </a:extLst>
           </p:cNvPr>
@@ -8791,7 +7348,7 @@
           <a:bodyPr/>
           <a:lstStyle/>
           <a:p>
-            <a:endParaRPr lang="nb-NO" dirty="0"/>
+            <a:endParaRPr lang="nb-NO"/>
           </a:p>
         </p:txBody>
       </p:sp>
@@ -8830,7 +7387,7 @@
           <p:cNvPr id="2" name="Tittel 1">
             <a:extLst>
               <a:ext uri="{FF2B5EF4-FFF2-40B4-BE49-F238E27FC236}">
-                <a16:creationId xmlns:a16="http://schemas.microsoft.com/office/drawing/2014/main" id="{511EE48F-0FB6-4E40-B1B8-81180DB1512A}"/>
+                <a16:creationId xmlns:a16="http://schemas.microsoft.com/office/drawing/2014/main" xmlns="" id="{511EE48F-0FB6-4E40-B1B8-81180DB1512A}"/>
               </a:ext>
             </a:extLst>
           </p:cNvPr>
@@ -8847,10 +7404,10 @@
           <a:lstStyle/>
           <a:p>
             <a:r>
-              <a:rPr lang="nb-NO" dirty="0" err="1"/>
+              <a:rPr lang="nb-NO" err="1"/>
               <a:t>Introduction</a:t>
             </a:r>
-            <a:endParaRPr lang="nb-NO" dirty="0"/>
+            <a:endParaRPr lang="nb-NO"/>
           </a:p>
         </p:txBody>
       </p:sp>
@@ -8859,7 +7416,7 @@
           <p:cNvPr id="5" name="Plassholder for innhold 4">
             <a:extLst>
               <a:ext uri="{FF2B5EF4-FFF2-40B4-BE49-F238E27FC236}">
-                <a16:creationId xmlns:a16="http://schemas.microsoft.com/office/drawing/2014/main" id="{7947AF54-052B-419F-9D33-5287DFD9A96B}"/>
+                <a16:creationId xmlns:a16="http://schemas.microsoft.com/office/drawing/2014/main" xmlns="" id="{7947AF54-052B-419F-9D33-5287DFD9A96B}"/>
               </a:ext>
             </a:extLst>
           </p:cNvPr>
@@ -8891,7 +7448,7 @@
           <p:cNvPr id="4" name="Plassholder for tekst 3">
             <a:extLst>
               <a:ext uri="{FF2B5EF4-FFF2-40B4-BE49-F238E27FC236}">
-                <a16:creationId xmlns:a16="http://schemas.microsoft.com/office/drawing/2014/main" id="{93C19C49-DA61-4645-BE0E-8C4058D99374}"/>
+                <a16:creationId xmlns:a16="http://schemas.microsoft.com/office/drawing/2014/main" xmlns="" id="{93C19C49-DA61-4645-BE0E-8C4058D99374}"/>
               </a:ext>
             </a:extLst>
           </p:cNvPr>
@@ -8912,7 +7469,7 @@
               <a:buChar char="•"/>
             </a:pPr>
             <a:r>
-              <a:rPr lang="nb-NO" dirty="0"/>
+              <a:rPr lang="nb-NO"/>
               <a:t>Brede</a:t>
             </a:r>
           </a:p>
@@ -8922,7 +7479,7 @@
               <a:buChar char="•"/>
             </a:pPr>
             <a:r>
-              <a:rPr lang="nb-NO" dirty="0"/>
+              <a:rPr lang="nb-NO"/>
               <a:t>Faltin</a:t>
             </a:r>
           </a:p>
@@ -8932,7 +7489,7 @@
               <a:buChar char="•"/>
             </a:pPr>
             <a:r>
-              <a:rPr lang="nb-NO" dirty="0"/>
+              <a:rPr lang="nb-NO"/>
               <a:t>Ingrid</a:t>
             </a:r>
           </a:p>
@@ -8942,7 +7499,7 @@
               <a:buChar char="•"/>
             </a:pPr>
             <a:r>
-              <a:rPr lang="nb-NO" dirty="0"/>
+              <a:rPr lang="nb-NO"/>
               <a:t>Magnus</a:t>
             </a:r>
           </a:p>
@@ -8952,7 +7509,7 @@
               <a:buChar char="•"/>
             </a:pPr>
             <a:r>
-              <a:rPr lang="nb-NO" dirty="0"/>
+              <a:rPr lang="nb-NO"/>
               <a:t>Sandra</a:t>
             </a:r>
           </a:p>
@@ -8961,7 +7518,7 @@
               <a:buFont typeface="Arial" panose="020B0604020202020204" pitchFamily="34" charset="0"/>
               <a:buChar char="•"/>
             </a:pPr>
-            <a:endParaRPr lang="nb-NO" dirty="0"/>
+            <a:endParaRPr lang="nb-NO"/>
           </a:p>
         </p:txBody>
       </p:sp>
@@ -9000,7 +7557,7 @@
           <p:cNvPr id="2" name="Tittel 1">
             <a:extLst>
               <a:ext uri="{FF2B5EF4-FFF2-40B4-BE49-F238E27FC236}">
-                <a16:creationId xmlns:a16="http://schemas.microsoft.com/office/drawing/2014/main" id="{A2CB7ACB-D1BB-4395-9B15-7D6606284C5F}"/>
+                <a16:creationId xmlns:a16="http://schemas.microsoft.com/office/drawing/2014/main" xmlns="" id="{A2CB7ACB-D1BB-4395-9B15-7D6606284C5F}"/>
               </a:ext>
             </a:extLst>
           </p:cNvPr>
@@ -9024,14 +7581,14 @@
           <a:lstStyle/>
           <a:p>
             <a:r>
-              <a:rPr lang="nb-NO" sz="2400" dirty="0"/>
+              <a:rPr lang="nb-NO" sz="2400"/>
               <a:t>Group </a:t>
             </a:r>
             <a:r>
-              <a:rPr lang="nb-NO" sz="2400" dirty="0" err="1"/>
+              <a:rPr lang="nb-NO" sz="2400" err="1"/>
               <a:t>organization</a:t>
             </a:r>
-            <a:endParaRPr lang="nb-NO" sz="2400" dirty="0"/>
+            <a:endParaRPr lang="nb-NO" sz="2400"/>
           </a:p>
         </p:txBody>
       </p:sp>
@@ -9040,7 +7597,7 @@
           <p:cNvPr id="3" name="Plassholder for bilde 2">
             <a:extLst>
               <a:ext uri="{FF2B5EF4-FFF2-40B4-BE49-F238E27FC236}">
-                <a16:creationId xmlns:a16="http://schemas.microsoft.com/office/drawing/2014/main" id="{28C688B2-2AFE-426A-94F4-9CB5BDD5B2A7}"/>
+                <a16:creationId xmlns:a16="http://schemas.microsoft.com/office/drawing/2014/main" xmlns="" id="{28C688B2-2AFE-426A-94F4-9CB5BDD5B2A7}"/>
               </a:ext>
             </a:extLst>
           </p:cNvPr>
@@ -9058,7 +7615,7 @@
           <p:cNvPr id="4" name="Plassholder for tekst 3">
             <a:extLst>
               <a:ext uri="{FF2B5EF4-FFF2-40B4-BE49-F238E27FC236}">
-                <a16:creationId xmlns:a16="http://schemas.microsoft.com/office/drawing/2014/main" id="{89A36C1F-01C0-439E-97AA-B0A2B72D3982}"/>
+                <a16:creationId xmlns:a16="http://schemas.microsoft.com/office/drawing/2014/main" xmlns="" id="{89A36C1F-01C0-439E-97AA-B0A2B72D3982}"/>
               </a:ext>
             </a:extLst>
           </p:cNvPr>
@@ -9086,11 +7643,11 @@
               <a:buChar char="•"/>
             </a:pPr>
             <a:r>
-              <a:rPr lang="nb-NO" dirty="0" err="1"/>
+              <a:rPr lang="nb-NO" err="1"/>
               <a:t>Kanban</a:t>
             </a:r>
             <a:r>
-              <a:rPr lang="nb-NO" dirty="0"/>
+              <a:rPr lang="nb-NO"/>
               <a:t> and SCRUM hybrid</a:t>
             </a:r>
           </a:p>
@@ -9100,22 +7657,22 @@
               <a:buChar char="•"/>
             </a:pPr>
             <a:r>
-              <a:rPr lang="nb-NO" sz="1400" dirty="0"/>
+              <a:rPr lang="nb-NO" sz="1400"/>
               <a:t>One </a:t>
             </a:r>
             <a:r>
-              <a:rPr lang="nb-NO" sz="1400" dirty="0" err="1"/>
+              <a:rPr lang="nb-NO" sz="1400" err="1"/>
               <a:t>task</a:t>
             </a:r>
             <a:r>
-              <a:rPr lang="nb-NO" sz="1400" dirty="0"/>
+              <a:rPr lang="nb-NO" sz="1400"/>
               <a:t> </a:t>
             </a:r>
             <a:r>
-              <a:rPr lang="nb-NO" sz="1400" dirty="0" err="1"/>
+              <a:rPr lang="nb-NO" sz="1400" err="1"/>
               <a:t>each</a:t>
             </a:r>
-            <a:endParaRPr lang="nb-NO" sz="1400" dirty="0"/>
+            <a:endParaRPr lang="nb-NO" sz="1400"/>
           </a:p>
           <a:p>
             <a:pPr marL="285750" indent="-285750">
@@ -9123,19 +7680,19 @@
               <a:buChar char="•"/>
             </a:pPr>
             <a:r>
-              <a:rPr lang="nb-NO" dirty="0" err="1"/>
+              <a:rPr lang="nb-NO" err="1"/>
               <a:t>Weekly</a:t>
             </a:r>
             <a:r>
-              <a:rPr lang="nb-NO" dirty="0"/>
+              <a:rPr lang="nb-NO"/>
               <a:t> </a:t>
             </a:r>
             <a:r>
-              <a:rPr lang="nb-NO" dirty="0" err="1"/>
+              <a:rPr lang="nb-NO" err="1"/>
               <a:t>meetings</a:t>
             </a:r>
             <a:r>
-              <a:rPr lang="nb-NO" dirty="0"/>
+              <a:rPr lang="nb-NO"/>
               <a:t>(sprint)</a:t>
             </a:r>
           </a:p>
@@ -9145,10 +7702,10 @@
               <a:buChar char="•"/>
             </a:pPr>
             <a:r>
-              <a:rPr lang="nb-NO" dirty="0" err="1"/>
+              <a:rPr lang="nb-NO" err="1"/>
               <a:t>Issues</a:t>
             </a:r>
-            <a:endParaRPr lang="nb-NO" dirty="0"/>
+            <a:endParaRPr lang="nb-NO"/>
           </a:p>
           <a:p>
             <a:pPr marL="742950" lvl="1" indent="-285750">
@@ -9156,35 +7713,35 @@
               <a:buChar char="•"/>
             </a:pPr>
             <a:r>
-              <a:rPr lang="nb-NO" sz="1400" dirty="0" err="1"/>
+              <a:rPr lang="nb-NO" sz="1400" err="1"/>
               <a:t>Size</a:t>
             </a:r>
             <a:r>
-              <a:rPr lang="nb-NO" sz="1400" dirty="0"/>
+              <a:rPr lang="nb-NO" sz="1400"/>
               <a:t> </a:t>
             </a:r>
             <a:r>
-              <a:rPr lang="nb-NO" sz="1400" dirty="0" err="1"/>
+              <a:rPr lang="nb-NO" sz="1400" err="1"/>
               <a:t>on</a:t>
             </a:r>
             <a:r>
-              <a:rPr lang="nb-NO" sz="1400" dirty="0"/>
+              <a:rPr lang="nb-NO" sz="1400"/>
               <a:t> </a:t>
             </a:r>
             <a:r>
-              <a:rPr lang="nb-NO" sz="1400" dirty="0" err="1"/>
+              <a:rPr lang="nb-NO" sz="1400" err="1"/>
               <a:t>tasks</a:t>
             </a:r>
             <a:r>
-              <a:rPr lang="nb-NO" sz="1400" dirty="0"/>
+              <a:rPr lang="nb-NO" sz="1400"/>
               <a:t> in </a:t>
             </a:r>
             <a:r>
-              <a:rPr lang="nb-NO" sz="1400" dirty="0" err="1"/>
+              <a:rPr lang="nb-NO" sz="1400" err="1"/>
               <a:t>todo</a:t>
             </a:r>
             <a:r>
-              <a:rPr lang="nb-NO" sz="1400" dirty="0"/>
+              <a:rPr lang="nb-NO" sz="1400"/>
               <a:t> list</a:t>
             </a:r>
           </a:p>
@@ -9194,7 +7751,7 @@
               <a:buChar char="•"/>
             </a:pPr>
             <a:r>
-              <a:rPr lang="nb-NO" sz="1400" dirty="0"/>
+              <a:rPr lang="nb-NO" sz="1400"/>
               <a:t>Time</a:t>
             </a:r>
           </a:p>
@@ -9204,10 +7761,10 @@
               <a:buChar char="•"/>
             </a:pPr>
             <a:r>
-              <a:rPr lang="nb-NO" sz="1400" dirty="0" err="1"/>
+              <a:rPr lang="nb-NO" sz="1400" err="1"/>
               <a:t>Github</a:t>
             </a:r>
-            <a:endParaRPr lang="nb-NO" sz="1400" dirty="0"/>
+            <a:endParaRPr lang="nb-NO" sz="1400"/>
           </a:p>
           <a:p>
             <a:pPr marL="285750" indent="-285750">
@@ -9215,10 +7772,10 @@
               <a:buChar char="•"/>
             </a:pPr>
             <a:r>
-              <a:rPr lang="nb-NO" dirty="0" err="1"/>
+              <a:rPr lang="nb-NO" err="1"/>
               <a:t>Fixes</a:t>
             </a:r>
-            <a:endParaRPr lang="nb-NO" dirty="0"/>
+            <a:endParaRPr lang="nb-NO"/>
           </a:p>
           <a:p>
             <a:pPr marL="742950" lvl="1" indent="-285750">
@@ -9226,58 +7783,58 @@
               <a:buChar char="•"/>
             </a:pPr>
             <a:r>
-              <a:rPr lang="nb-NO" sz="1400" dirty="0" err="1"/>
+              <a:rPr lang="nb-NO" sz="1400" err="1"/>
               <a:t>Minimize</a:t>
             </a:r>
             <a:r>
-              <a:rPr lang="nb-NO" sz="1400" dirty="0"/>
+              <a:rPr lang="nb-NO" sz="1400"/>
               <a:t> </a:t>
             </a:r>
             <a:r>
-              <a:rPr lang="nb-NO" sz="1400" dirty="0" err="1"/>
+              <a:rPr lang="nb-NO" sz="1400" err="1"/>
               <a:t>the</a:t>
             </a:r>
             <a:r>
-              <a:rPr lang="nb-NO" sz="1400" dirty="0"/>
+              <a:rPr lang="nb-NO" sz="1400"/>
               <a:t> </a:t>
             </a:r>
             <a:r>
-              <a:rPr lang="nb-NO" sz="1400" dirty="0" err="1"/>
+              <a:rPr lang="nb-NO" sz="1400" err="1"/>
               <a:t>amount</a:t>
             </a:r>
             <a:r>
-              <a:rPr lang="nb-NO" sz="1400" dirty="0"/>
+              <a:rPr lang="nb-NO" sz="1400"/>
               <a:t> </a:t>
             </a:r>
             <a:r>
-              <a:rPr lang="nb-NO" sz="1400" dirty="0" err="1"/>
+              <a:rPr lang="nb-NO" sz="1400" err="1"/>
               <a:t>of</a:t>
             </a:r>
             <a:r>
-              <a:rPr lang="nb-NO" sz="1400" dirty="0"/>
+              <a:rPr lang="nb-NO" sz="1400"/>
               <a:t> </a:t>
             </a:r>
             <a:r>
-              <a:rPr lang="nb-NO" sz="1400" dirty="0" err="1"/>
+              <a:rPr lang="nb-NO" sz="1400" err="1"/>
               <a:t>work</a:t>
             </a:r>
             <a:r>
-              <a:rPr lang="nb-NO" sz="1400" dirty="0"/>
+              <a:rPr lang="nb-NO" sz="1400"/>
               <a:t> given in a </a:t>
             </a:r>
             <a:r>
-              <a:rPr lang="nb-NO" sz="1400" dirty="0" err="1"/>
+              <a:rPr lang="nb-NO" sz="1400" err="1"/>
               <a:t>todo</a:t>
             </a:r>
             <a:r>
-              <a:rPr lang="nb-NO" sz="1400" dirty="0"/>
+              <a:rPr lang="nb-NO" sz="1400"/>
               <a:t> </a:t>
             </a:r>
             <a:r>
-              <a:rPr lang="nb-NO" sz="1400" dirty="0" err="1"/>
+              <a:rPr lang="nb-NO" sz="1400" err="1"/>
               <a:t>task</a:t>
             </a:r>
-            <a:endParaRPr lang="nb-NO" sz="1400" dirty="0"/>
+            <a:endParaRPr lang="nb-NO" sz="1400"/>
           </a:p>
           <a:p>
             <a:pPr marL="742950" lvl="1" indent="-285750">
@@ -9285,25 +7842,25 @@
               <a:buChar char="•"/>
             </a:pPr>
             <a:r>
-              <a:rPr lang="nb-NO" sz="1400" dirty="0" err="1"/>
+              <a:rPr lang="nb-NO" sz="1400" err="1"/>
               <a:t>Specific</a:t>
             </a:r>
             <a:r>
-              <a:rPr lang="nb-NO" sz="1400" dirty="0"/>
+              <a:rPr lang="nb-NO" sz="1400"/>
               <a:t> agenda for </a:t>
             </a:r>
             <a:r>
-              <a:rPr lang="nb-NO" sz="1400" dirty="0" err="1"/>
+              <a:rPr lang="nb-NO" sz="1400" err="1"/>
               <a:t>meetings</a:t>
             </a:r>
-            <a:endParaRPr lang="nb-NO" sz="1400" dirty="0"/>
+            <a:endParaRPr lang="nb-NO" sz="1400"/>
           </a:p>
           <a:p>
             <a:pPr marL="285750" indent="-285750">
               <a:buFont typeface="Arial" panose="020B0604020202020204" pitchFamily="34" charset="0"/>
               <a:buChar char="•"/>
             </a:pPr>
-            <a:endParaRPr lang="nb-NO" dirty="0"/>
+            <a:endParaRPr lang="nb-NO"/>
           </a:p>
         </p:txBody>
       </p:sp>
@@ -9342,7 +7899,7 @@
           <p:cNvPr id="2" name="Tittel 1">
             <a:extLst>
               <a:ext uri="{FF2B5EF4-FFF2-40B4-BE49-F238E27FC236}">
-                <a16:creationId xmlns:a16="http://schemas.microsoft.com/office/drawing/2014/main" id="{27FB0C4D-B517-48A1-AFE3-C53B8EFF0E60}"/>
+                <a16:creationId xmlns:a16="http://schemas.microsoft.com/office/drawing/2014/main" xmlns="" id="{27FB0C4D-B517-48A1-AFE3-C53B8EFF0E60}"/>
               </a:ext>
             </a:extLst>
           </p:cNvPr>
@@ -9359,10 +7916,10 @@
           <a:lstStyle/>
           <a:p>
             <a:r>
-              <a:rPr lang="nb-NO" dirty="0" err="1"/>
+              <a:rPr lang="nb-NO" err="1"/>
               <a:t>Priorities</a:t>
             </a:r>
-            <a:endParaRPr lang="nb-NO" dirty="0"/>
+            <a:endParaRPr lang="nb-NO"/>
           </a:p>
         </p:txBody>
       </p:sp>
@@ -9371,7 +7928,7 @@
           <p:cNvPr id="7" name="Plassholder for innhold 6">
             <a:extLst>
               <a:ext uri="{FF2B5EF4-FFF2-40B4-BE49-F238E27FC236}">
-                <a16:creationId xmlns:a16="http://schemas.microsoft.com/office/drawing/2014/main" id="{AB601B31-3F20-46CA-8663-633064B252A2}"/>
+                <a16:creationId xmlns:a16="http://schemas.microsoft.com/office/drawing/2014/main" xmlns="" id="{AB601B31-3F20-46CA-8663-633064B252A2}"/>
               </a:ext>
             </a:extLst>
           </p:cNvPr>
@@ -9403,7 +7960,7 @@
           <p:cNvPr id="4" name="Plassholder for tekst 3">
             <a:extLst>
               <a:ext uri="{FF2B5EF4-FFF2-40B4-BE49-F238E27FC236}">
-                <a16:creationId xmlns:a16="http://schemas.microsoft.com/office/drawing/2014/main" id="{D04CCDF9-478B-42AE-B1CC-63DE06617163}"/>
+                <a16:creationId xmlns:a16="http://schemas.microsoft.com/office/drawing/2014/main" xmlns="" id="{D04CCDF9-478B-42AE-B1CC-63DE06617163}"/>
               </a:ext>
             </a:extLst>
           </p:cNvPr>
@@ -9424,26 +7981,26 @@
               <a:buChar char="•"/>
             </a:pPr>
             <a:r>
-              <a:rPr lang="nb-NO" dirty="0" err="1"/>
+              <a:rPr lang="nb-NO" err="1"/>
               <a:t>What</a:t>
             </a:r>
             <a:r>
-              <a:rPr lang="nb-NO" dirty="0"/>
+              <a:rPr lang="nb-NO"/>
               <a:t> have </a:t>
             </a:r>
             <a:r>
-              <a:rPr lang="nb-NO" dirty="0" err="1"/>
+              <a:rPr lang="nb-NO" err="1"/>
               <a:t>we</a:t>
             </a:r>
             <a:r>
-              <a:rPr lang="nb-NO" dirty="0"/>
+              <a:rPr lang="nb-NO"/>
               <a:t> </a:t>
             </a:r>
             <a:r>
-              <a:rPr lang="nb-NO" dirty="0" err="1"/>
+              <a:rPr lang="nb-NO" err="1"/>
               <a:t>prioritized</a:t>
             </a:r>
-            <a:endParaRPr lang="nb-NO" dirty="0"/>
+            <a:endParaRPr lang="nb-NO"/>
           </a:p>
           <a:p>
             <a:pPr marL="742950" lvl="1" indent="-285750">
@@ -9451,14 +8008,14 @@
               <a:buChar char="•"/>
             </a:pPr>
             <a:r>
-              <a:rPr lang="nb-NO" dirty="0"/>
+              <a:rPr lang="nb-NO"/>
               <a:t>Game </a:t>
             </a:r>
             <a:r>
-              <a:rPr lang="nb-NO" dirty="0" err="1"/>
+              <a:rPr lang="nb-NO" err="1"/>
               <a:t>skeleton</a:t>
             </a:r>
-            <a:endParaRPr lang="nb-NO" dirty="0"/>
+            <a:endParaRPr lang="nb-NO"/>
           </a:p>
           <a:p>
             <a:pPr marL="285750" indent="-285750">
@@ -9466,10 +8023,10 @@
               <a:buChar char="•"/>
             </a:pPr>
             <a:r>
-              <a:rPr lang="nb-NO" dirty="0" err="1"/>
+              <a:rPr lang="nb-NO" err="1"/>
               <a:t>Why</a:t>
             </a:r>
-            <a:endParaRPr lang="nb-NO" dirty="0"/>
+            <a:endParaRPr lang="nb-NO"/>
           </a:p>
           <a:p>
             <a:pPr marL="742950" lvl="1" indent="-285750">
@@ -9477,10 +8034,10 @@
               <a:buChar char="•"/>
             </a:pPr>
             <a:r>
-              <a:rPr lang="nb-NO" dirty="0" err="1"/>
+              <a:rPr lang="nb-NO" err="1"/>
               <a:t>Overview</a:t>
             </a:r>
-            <a:endParaRPr lang="nb-NO" dirty="0"/>
+            <a:endParaRPr lang="nb-NO"/>
           </a:p>
           <a:p>
             <a:pPr marL="285750" indent="-285750">
@@ -9488,10 +8045,10 @@
               <a:buChar char="•"/>
             </a:pPr>
             <a:r>
-              <a:rPr lang="nb-NO" dirty="0" err="1"/>
+              <a:rPr lang="nb-NO" err="1"/>
               <a:t>Issues</a:t>
             </a:r>
-            <a:endParaRPr lang="nb-NO" dirty="0"/>
+            <a:endParaRPr lang="nb-NO"/>
           </a:p>
           <a:p>
             <a:pPr marL="742950" lvl="1" indent="-285750">
@@ -9499,34 +8056,34 @@
               <a:buChar char="•"/>
             </a:pPr>
             <a:r>
-              <a:rPr lang="nb-NO" dirty="0" err="1"/>
+              <a:rPr lang="nb-NO" err="1"/>
               <a:t>Temptation</a:t>
             </a:r>
             <a:r>
-              <a:rPr lang="nb-NO" dirty="0"/>
+              <a:rPr lang="nb-NO"/>
               <a:t> to do </a:t>
             </a:r>
             <a:r>
-              <a:rPr lang="nb-NO" dirty="0" err="1"/>
+              <a:rPr lang="nb-NO" err="1"/>
               <a:t>fixes</a:t>
             </a:r>
             <a:r>
-              <a:rPr lang="nb-NO" dirty="0"/>
+              <a:rPr lang="nb-NO"/>
               <a:t> in </a:t>
             </a:r>
             <a:r>
-              <a:rPr lang="nb-NO" dirty="0" err="1"/>
+              <a:rPr lang="nb-NO" err="1"/>
               <a:t>skeleton</a:t>
             </a:r>
             <a:r>
-              <a:rPr lang="nb-NO" dirty="0"/>
+              <a:rPr lang="nb-NO"/>
               <a:t> </a:t>
             </a:r>
             <a:r>
-              <a:rPr lang="nb-NO" dirty="0" err="1"/>
+              <a:rPr lang="nb-NO" err="1"/>
               <a:t>class</a:t>
             </a:r>
-            <a:endParaRPr lang="nb-NO" dirty="0"/>
+            <a:endParaRPr lang="nb-NO"/>
           </a:p>
           <a:p>
             <a:pPr marL="285750" indent="-285750">
@@ -9534,10 +8091,10 @@
               <a:buChar char="•"/>
             </a:pPr>
             <a:r>
-              <a:rPr lang="nb-NO" dirty="0" err="1"/>
+              <a:rPr lang="nb-NO" err="1"/>
               <a:t>Fixes</a:t>
             </a:r>
-            <a:endParaRPr lang="nb-NO" dirty="0"/>
+            <a:endParaRPr lang="nb-NO"/>
           </a:p>
           <a:p>
             <a:pPr marL="742950" lvl="1" indent="-285750">
@@ -9545,34 +8102,34 @@
               <a:buChar char="•"/>
             </a:pPr>
             <a:r>
-              <a:rPr lang="nb-NO" dirty="0" err="1"/>
+              <a:rPr lang="nb-NO" err="1"/>
               <a:t>Sticking</a:t>
             </a:r>
             <a:r>
-              <a:rPr lang="nb-NO" dirty="0"/>
+              <a:rPr lang="nb-NO"/>
               <a:t> to </a:t>
             </a:r>
             <a:r>
-              <a:rPr lang="nb-NO" dirty="0" err="1"/>
+              <a:rPr lang="nb-NO" err="1"/>
               <a:t>the</a:t>
             </a:r>
             <a:r>
-              <a:rPr lang="nb-NO" dirty="0"/>
+              <a:rPr lang="nb-NO"/>
               <a:t> </a:t>
             </a:r>
             <a:r>
-              <a:rPr lang="nb-NO" dirty="0" err="1"/>
+              <a:rPr lang="nb-NO" err="1"/>
               <a:t>project</a:t>
             </a:r>
             <a:r>
-              <a:rPr lang="nb-NO" dirty="0"/>
+              <a:rPr lang="nb-NO"/>
               <a:t> </a:t>
             </a:r>
             <a:r>
-              <a:rPr lang="nb-NO" dirty="0" err="1"/>
+              <a:rPr lang="nb-NO" err="1"/>
               <a:t>method</a:t>
             </a:r>
-            <a:endParaRPr lang="nb-NO" dirty="0"/>
+            <a:endParaRPr lang="nb-NO"/>
           </a:p>
         </p:txBody>
       </p:sp>
@@ -9611,7 +8168,7 @@
           <p:cNvPr id="2" name="Tittel 1">
             <a:extLst>
               <a:ext uri="{FF2B5EF4-FFF2-40B4-BE49-F238E27FC236}">
-                <a16:creationId xmlns:a16="http://schemas.microsoft.com/office/drawing/2014/main" id="{5BDDAB73-F02E-44EE-96F7-84088AA37B6E}"/>
+                <a16:creationId xmlns:a16="http://schemas.microsoft.com/office/drawing/2014/main" xmlns="" id="{5BDDAB73-F02E-44EE-96F7-84088AA37B6E}"/>
               </a:ext>
             </a:extLst>
           </p:cNvPr>
@@ -9628,11 +8185,11 @@
           <a:lstStyle/>
           <a:p>
             <a:r>
-              <a:rPr lang="nb-NO" dirty="0" err="1"/>
+              <a:rPr lang="nb-NO" err="1"/>
               <a:t>Experiences</a:t>
             </a:r>
             <a:r>
-              <a:rPr lang="nb-NO" dirty="0"/>
+              <a:rPr lang="nb-NO"/>
               <a:t> to bring forward</a:t>
             </a:r>
           </a:p>
@@ -9643,7 +8200,7 @@
           <p:cNvPr id="3" name="Plassholder for innhold 2">
             <a:extLst>
               <a:ext uri="{FF2B5EF4-FFF2-40B4-BE49-F238E27FC236}">
-                <a16:creationId xmlns:a16="http://schemas.microsoft.com/office/drawing/2014/main" id="{79730DE0-9566-4CA0-9CE9-DA36D8ECF8AB}"/>
+                <a16:creationId xmlns:a16="http://schemas.microsoft.com/office/drawing/2014/main" xmlns="" id="{79730DE0-9566-4CA0-9CE9-DA36D8ECF8AB}"/>
               </a:ext>
             </a:extLst>
           </p:cNvPr>
@@ -9668,7 +8225,7 @@
           <p:cNvPr id="4" name="Plassholder for tekst 3">
             <a:extLst>
               <a:ext uri="{FF2B5EF4-FFF2-40B4-BE49-F238E27FC236}">
-                <a16:creationId xmlns:a16="http://schemas.microsoft.com/office/drawing/2014/main" id="{B51513CF-9D7D-4E51-9122-81B9F672A95F}"/>
+                <a16:creationId xmlns:a16="http://schemas.microsoft.com/office/drawing/2014/main" xmlns="" id="{B51513CF-9D7D-4E51-9122-81B9F672A95F}"/>
               </a:ext>
             </a:extLst>
           </p:cNvPr>
@@ -9689,23 +8246,23 @@
               <a:buChar char="•"/>
             </a:pPr>
             <a:r>
-              <a:rPr lang="nb-NO" dirty="0"/>
+              <a:rPr lang="nb-NO"/>
               <a:t>Most </a:t>
             </a:r>
             <a:r>
-              <a:rPr lang="nb-NO" dirty="0" err="1"/>
+              <a:rPr lang="nb-NO" err="1"/>
               <a:t>important</a:t>
             </a:r>
             <a:r>
-              <a:rPr lang="nb-NO" dirty="0"/>
+              <a:rPr lang="nb-NO"/>
               <a:t> </a:t>
             </a:r>
             <a:r>
-              <a:rPr lang="nb-NO" dirty="0" err="1"/>
+              <a:rPr lang="nb-NO" err="1"/>
               <a:t>experiences</a:t>
             </a:r>
             <a:r>
-              <a:rPr lang="nb-NO" dirty="0"/>
+              <a:rPr lang="nb-NO"/>
               <a:t> so far</a:t>
             </a:r>
           </a:p>
@@ -9715,18 +8272,18 @@
               <a:buChar char="•"/>
             </a:pPr>
             <a:r>
-              <a:rPr lang="nb-NO" dirty="0" err="1"/>
+              <a:rPr lang="nb-NO" err="1"/>
               <a:t>Work</a:t>
             </a:r>
             <a:r>
-              <a:rPr lang="nb-NO" dirty="0"/>
+              <a:rPr lang="nb-NO"/>
               <a:t> </a:t>
             </a:r>
             <a:r>
-              <a:rPr lang="nb-NO" dirty="0" err="1"/>
+              <a:rPr lang="nb-NO" err="1"/>
               <a:t>amount</a:t>
             </a:r>
-            <a:endParaRPr lang="nb-NO" dirty="0"/>
+            <a:endParaRPr lang="nb-NO"/>
           </a:p>
           <a:p>
             <a:pPr marL="742950" lvl="1" indent="-285750">
@@ -9734,19 +8291,19 @@
               <a:buChar char="•"/>
             </a:pPr>
             <a:r>
-              <a:rPr lang="nb-NO" dirty="0" err="1"/>
+              <a:rPr lang="nb-NO" err="1"/>
               <a:t>Amount</a:t>
             </a:r>
             <a:r>
-              <a:rPr lang="nb-NO" dirty="0"/>
+              <a:rPr lang="nb-NO"/>
               <a:t> </a:t>
             </a:r>
             <a:r>
-              <a:rPr lang="nb-NO" dirty="0" err="1"/>
+              <a:rPr lang="nb-NO" err="1"/>
               <a:t>of</a:t>
             </a:r>
             <a:r>
-              <a:rPr lang="nb-NO" dirty="0"/>
+              <a:rPr lang="nb-NO"/>
               <a:t> time used</a:t>
             </a:r>
           </a:p>
@@ -9755,7 +8312,7 @@
               <a:buFont typeface="Arial" panose="020B0604020202020204" pitchFamily="34" charset="0"/>
               <a:buChar char="•"/>
             </a:pPr>
-            <a:endParaRPr lang="nb-NO" dirty="0"/>
+            <a:endParaRPr lang="nb-NO"/>
           </a:p>
           <a:p>
             <a:pPr marL="285750" indent="-285750">
@@ -9763,54 +8320,54 @@
               <a:buChar char="•"/>
             </a:pPr>
             <a:r>
-              <a:rPr lang="nb-NO" dirty="0"/>
+              <a:rPr lang="nb-NO"/>
               <a:t>Most </a:t>
             </a:r>
             <a:r>
-              <a:rPr lang="nb-NO" dirty="0" err="1"/>
+              <a:rPr lang="nb-NO" err="1"/>
               <a:t>important</a:t>
             </a:r>
             <a:r>
-              <a:rPr lang="nb-NO" dirty="0"/>
+              <a:rPr lang="nb-NO"/>
               <a:t> </a:t>
             </a:r>
             <a:r>
-              <a:rPr lang="nb-NO" dirty="0" err="1"/>
+              <a:rPr lang="nb-NO" err="1"/>
               <a:t>things</a:t>
             </a:r>
             <a:r>
-              <a:rPr lang="nb-NO" dirty="0"/>
+              <a:rPr lang="nb-NO"/>
               <a:t> to </a:t>
             </a:r>
             <a:r>
-              <a:rPr lang="nb-NO" dirty="0" err="1"/>
+              <a:rPr lang="nb-NO" err="1"/>
               <a:t>work</a:t>
             </a:r>
             <a:r>
-              <a:rPr lang="nb-NO" dirty="0"/>
+              <a:rPr lang="nb-NO"/>
               <a:t> </a:t>
             </a:r>
             <a:r>
-              <a:rPr lang="nb-NO" dirty="0" err="1"/>
+              <a:rPr lang="nb-NO" err="1"/>
               <a:t>on</a:t>
             </a:r>
             <a:r>
-              <a:rPr lang="nb-NO" dirty="0"/>
+              <a:rPr lang="nb-NO"/>
               <a:t> in </a:t>
             </a:r>
             <a:r>
-              <a:rPr lang="nb-NO" dirty="0" err="1"/>
+              <a:rPr lang="nb-NO" err="1"/>
               <a:t>the</a:t>
             </a:r>
             <a:r>
-              <a:rPr lang="nb-NO" dirty="0"/>
+              <a:rPr lang="nb-NO"/>
               <a:t> </a:t>
             </a:r>
             <a:r>
-              <a:rPr lang="nb-NO" dirty="0" err="1"/>
+              <a:rPr lang="nb-NO" err="1"/>
               <a:t>future</a:t>
             </a:r>
-            <a:endParaRPr lang="nb-NO" dirty="0"/>
+            <a:endParaRPr lang="nb-NO"/>
           </a:p>
         </p:txBody>
       </p:sp>
@@ -9849,7 +8406,7 @@
           <p:cNvPr id="2" name="Tittel 1">
             <a:extLst>
               <a:ext uri="{FF2B5EF4-FFF2-40B4-BE49-F238E27FC236}">
-                <a16:creationId xmlns:a16="http://schemas.microsoft.com/office/drawing/2014/main" id="{1963002E-0BB4-44CA-B5DD-37F7DA1B3B8E}"/>
+                <a16:creationId xmlns:a16="http://schemas.microsoft.com/office/drawing/2014/main" xmlns="" id="{1963002E-0BB4-44CA-B5DD-37F7DA1B3B8E}"/>
               </a:ext>
             </a:extLst>
           </p:cNvPr>
@@ -9867,7 +8424,7 @@
           <a:p>
             <a:pPr algn="ctr"/>
             <a:r>
-              <a:rPr lang="nb-NO" dirty="0"/>
+              <a:rPr lang="nb-NO"/>
               <a:t>Demo</a:t>
             </a:r>
           </a:p>
@@ -9908,7 +8465,7 @@
           <p:cNvPr id="2" name="Tittel 1">
             <a:extLst>
               <a:ext uri="{FF2B5EF4-FFF2-40B4-BE49-F238E27FC236}">
-                <a16:creationId xmlns:a16="http://schemas.microsoft.com/office/drawing/2014/main" id="{B3C9C035-0AF9-4E07-9A07-A20DC6CBA9D6}"/>
+                <a16:creationId xmlns:a16="http://schemas.microsoft.com/office/drawing/2014/main" xmlns="" id="{B3C9C035-0AF9-4E07-9A07-A20DC6CBA9D6}"/>
               </a:ext>
             </a:extLst>
           </p:cNvPr>
@@ -9931,7 +8488,7 @@
           <a:p>
             <a:pPr algn="ctr"/>
             <a:r>
-              <a:rPr lang="nb-NO" dirty="0"/>
+              <a:rPr lang="nb-NO"/>
               <a:t>Questions?</a:t>
             </a:r>
           </a:p>
